--- a/JavaScript 02 (DOM & UI)/Lectures/0. Course Introduction/JavaScript-UI-and-DOM-Course-Introduction.pptx
+++ b/JavaScript 02 (DOM & UI)/Lectures/0. Course Introduction/JavaScript-UI-and-DOM-Course-Introduction.pptx
@@ -5,10 +5,10 @@
     <p:sldMasterId id="2147483672" r:id="rId1"/>
   </p:sldMasterIdLst>
   <p:notesMasterIdLst>
-    <p:notesMasterId r:id="rId22"/>
+    <p:notesMasterId r:id="rId23"/>
   </p:notesMasterIdLst>
   <p:handoutMasterIdLst>
-    <p:handoutMasterId r:id="rId23"/>
+    <p:handoutMasterId r:id="rId24"/>
   </p:handoutMasterIdLst>
   <p:sldIdLst>
     <p:sldId id="320" r:id="rId2"/>
@@ -25,17 +25,18 @@
     <p:sldId id="376" r:id="rId13"/>
     <p:sldId id="370" r:id="rId14"/>
     <p:sldId id="383" r:id="rId15"/>
-    <p:sldId id="384" r:id="rId16"/>
-    <p:sldId id="372" r:id="rId17"/>
-    <p:sldId id="373" r:id="rId18"/>
-    <p:sldId id="374" r:id="rId19"/>
-    <p:sldId id="354" r:id="rId20"/>
-    <p:sldId id="333" r:id="rId21"/>
+    <p:sldId id="372" r:id="rId16"/>
+    <p:sldId id="373" r:id="rId17"/>
+    <p:sldId id="374" r:id="rId18"/>
+    <p:sldId id="384" r:id="rId19"/>
+    <p:sldId id="385" r:id="rId20"/>
+    <p:sldId id="354" r:id="rId21"/>
+    <p:sldId id="333" r:id="rId22"/>
   </p:sldIdLst>
   <p:sldSz cx="9144000" cy="6858000" type="screen4x3"/>
   <p:notesSz cx="6881813" cy="9296400"/>
   <p:custDataLst>
-    <p:tags r:id="rId24"/>
+    <p:tags r:id="rId25"/>
   </p:custDataLst>
   <p:defaultTextStyle>
     <a:defPPr>
@@ -310,7 +311,7 @@
             <a:fld id="{3BF7C7B5-275F-4D1F-9AB4-9255447DBC73}" type="datetimeFigureOut">
               <a:rPr lang="en-US"/>
               <a:pPr/>
-              <a:t>22-May-14</a:t>
+              <a:t>5/28/2014</a:t>
             </a:fld>
             <a:endParaRPr lang="en-US" dirty="0"/>
           </a:p>
@@ -541,7 +542,7 @@
             <a:fld id="{9B46F231-FB2B-4655-A644-E2477325E686}" type="datetimeFigureOut">
               <a:rPr lang="en-US"/>
               <a:pPr/>
-              <a:t>22-May-14</a:t>
+              <a:t>5/28/2014</a:t>
             </a:fld>
             <a:endParaRPr lang="en-US" dirty="0"/>
           </a:p>
@@ -1120,7 +1121,7 @@
             <a:fld id="{6FB4F6EA-423E-42DF-9292-215E7D886C4E}" type="slidenum">
               <a:rPr lang="en-US" smtClean="0"/>
               <a:pPr/>
-              <a:t>16</a:t>
+              <a:t>15</a:t>
             </a:fld>
             <a:endParaRPr lang="en-US" dirty="0"/>
           </a:p>
@@ -1207,7 +1208,7 @@
             <a:fld id="{6FB4F6EA-423E-42DF-9292-215E7D886C4E}" type="slidenum">
               <a:rPr lang="en-US" smtClean="0"/>
               <a:pPr/>
-              <a:t>18</a:t>
+              <a:t>17</a:t>
             </a:fld>
             <a:endParaRPr lang="en-US" dirty="0"/>
           </a:p>
@@ -6332,15 +6333,7 @@
           <a:p>
             <a:r>
               <a:rPr lang="en-US" dirty="0" smtClean="0"/>
-              <a:t>JavaScript </a:t>
-            </a:r>
-            <a:r>
-              <a:rPr lang="en-US" dirty="0" smtClean="0"/>
-              <a:t>UI and DOM: </a:t>
-            </a:r>
-            <a:r>
-              <a:rPr lang="en-US" dirty="0" smtClean="0"/>
-              <a:t/>
+              <a:t>JavaScript UI and DOM: </a:t>
             </a:r>
             <a:br>
               <a:rPr lang="en-US" dirty="0" smtClean="0"/>
@@ -6375,7 +6368,7 @@
           <a:p>
             <a:r>
               <a:rPr lang="en-US" dirty="0" smtClean="0"/>
-              <a:t>JS Course Program, Evaluation, Exams, Resources</a:t>
+              <a:t>Course Program, Evaluation, Exams, Resources</a:t>
             </a:r>
             <a:endParaRPr lang="en-US" dirty="0"/>
           </a:p>
@@ -7398,7 +7391,6 @@
               <a:rPr lang="en-US" dirty="0" smtClean="0"/>
               <a:t>Developing web components with JavaScript</a:t>
             </a:r>
-            <a:endParaRPr lang="en-US" dirty="0" smtClean="0"/>
           </a:p>
           <a:p>
             <a:pPr>
@@ -7991,8 +7983,8 @@
         </p:nvSpPr>
         <p:spPr>
           <a:xfrm>
-            <a:off x="228600" y="790700"/>
-            <a:ext cx="8686800" cy="5867400"/>
+            <a:off x="228600" y="685800"/>
+            <a:ext cx="8686800" cy="6172200"/>
           </a:xfrm>
         </p:spPr>
         <p:txBody>
@@ -8001,12 +7993,197 @@
           <a:p>
             <a:pPr>
               <a:lnSpc>
-                <a:spcPct val="95000"/>
+                <a:spcPct val="90000"/>
               </a:lnSpc>
             </a:pPr>
             <a:r>
+              <a:rPr lang="en-US" sz="3000" dirty="0" smtClean="0"/>
+              <a:t>Evaluation components</a:t>
+            </a:r>
+            <a:endParaRPr lang="en-US" sz="3000" dirty="0">
+              <a:solidFill>
+                <a:schemeClr val="accent5">
+                  <a:lumMod val="20000"/>
+                  <a:lumOff val="80000"/>
+                </a:schemeClr>
+              </a:solidFill>
+            </a:endParaRPr>
+          </a:p>
+          <a:p>
+            <a:pPr lvl="1">
+              <a:lnSpc>
+                <a:spcPct val="90000"/>
+              </a:lnSpc>
+            </a:pPr>
+            <a:r>
+              <a:rPr lang="en-US" dirty="0" smtClean="0">
+                <a:solidFill>
+                  <a:schemeClr val="accent5">
+                    <a:lumMod val="20000"/>
+                    <a:lumOff val="80000"/>
+                  </a:schemeClr>
+                </a:solidFill>
+              </a:rPr>
+              <a:t>Practical exam</a:t>
+            </a:r>
+            <a:r>
               <a:rPr lang="en-US" dirty="0" smtClean="0"/>
-              <a:t>Evaluation components</a:t>
+              <a:t> </a:t>
+            </a:r>
+            <a:r>
+              <a:rPr lang="en-US" dirty="0"/>
+              <a:t>– </a:t>
+            </a:r>
+            <a:r>
+              <a:rPr lang="en-US" dirty="0" smtClean="0">
+                <a:solidFill>
+                  <a:schemeClr val="accent5">
+                    <a:lumMod val="20000"/>
+                    <a:lumOff val="80000"/>
+                  </a:schemeClr>
+                </a:solidFill>
+                <a:latin typeface="Consolas" pitchFamily="49" charset="0"/>
+                <a:cs typeface="Consolas" pitchFamily="49" charset="0"/>
+              </a:rPr>
+              <a:t>45</a:t>
+            </a:r>
+            <a:r>
+              <a:rPr lang="en-US" dirty="0" smtClean="0">
+                <a:solidFill>
+                  <a:schemeClr val="accent5">
+                    <a:lumMod val="20000"/>
+                    <a:lumOff val="80000"/>
+                  </a:schemeClr>
+                </a:solidFill>
+              </a:rPr>
+              <a:t>%</a:t>
+            </a:r>
+          </a:p>
+          <a:p>
+            <a:pPr lvl="1">
+              <a:lnSpc>
+                <a:spcPct val="90000"/>
+              </a:lnSpc>
+            </a:pPr>
+            <a:r>
+              <a:rPr lang="en-US" dirty="0"/>
+              <a:t>Exam</a:t>
+            </a:r>
+            <a:r>
+              <a:rPr lang="en-US" dirty="0" smtClean="0">
+                <a:solidFill>
+                  <a:schemeClr val="accent5">
+                    <a:lumMod val="20000"/>
+                    <a:lumOff val="80000"/>
+                  </a:schemeClr>
+                </a:solidFill>
+              </a:rPr>
+              <a:t> evaluation </a:t>
+            </a:r>
+            <a:r>
+              <a:rPr lang="en-US" dirty="0"/>
+              <a:t>–</a:t>
+            </a:r>
+            <a:r>
+              <a:rPr lang="en-US" dirty="0" smtClean="0">
+                <a:solidFill>
+                  <a:schemeClr val="accent5">
+                    <a:lumMod val="20000"/>
+                    <a:lumOff val="80000"/>
+                  </a:schemeClr>
+                </a:solidFill>
+              </a:rPr>
+              <a:t> </a:t>
+            </a:r>
+            <a:r>
+              <a:rPr lang="en-US" dirty="0" smtClean="0">
+                <a:solidFill>
+                  <a:schemeClr val="accent5">
+                    <a:lumMod val="20000"/>
+                    <a:lumOff val="80000"/>
+                  </a:schemeClr>
+                </a:solidFill>
+                <a:latin typeface="Consolas" panose="020B0609020204030204" pitchFamily="49" charset="0"/>
+                <a:cs typeface="Consolas" panose="020B0609020204030204" pitchFamily="49" charset="0"/>
+              </a:rPr>
+              <a:t>10%</a:t>
+            </a:r>
+          </a:p>
+          <a:p>
+            <a:pPr lvl="2">
+              <a:lnSpc>
+                <a:spcPct val="90000"/>
+              </a:lnSpc>
+            </a:pPr>
+            <a:r>
+              <a:rPr lang="en-US" sz="2600" dirty="0">
+                <a:solidFill>
+                  <a:schemeClr val="tx1">
+                    <a:lumMod val="40000"/>
+                    <a:lumOff val="60000"/>
+                  </a:schemeClr>
+                </a:solidFill>
+                <a:latin typeface="Consolas" panose="020B0609020204030204" pitchFamily="49" charset="0"/>
+                <a:cs typeface="Consolas" panose="020B0609020204030204" pitchFamily="49" charset="0"/>
+              </a:rPr>
+              <a:t>7-8</a:t>
+            </a:r>
+            <a:r>
+              <a:rPr lang="en-US" sz="2600" dirty="0">
+                <a:solidFill>
+                  <a:schemeClr val="tx1">
+                    <a:lumMod val="40000"/>
+                    <a:lumOff val="60000"/>
+                  </a:schemeClr>
+                </a:solidFill>
+              </a:rPr>
+              <a:t> exam peer reviews</a:t>
+            </a:r>
+          </a:p>
+          <a:p>
+            <a:pPr lvl="1">
+              <a:lnSpc>
+                <a:spcPct val="90000"/>
+              </a:lnSpc>
+            </a:pPr>
+            <a:r>
+              <a:rPr lang="en-US" dirty="0">
+                <a:solidFill>
+                  <a:schemeClr val="accent5">
+                    <a:lumMod val="20000"/>
+                    <a:lumOff val="80000"/>
+                  </a:schemeClr>
+                </a:solidFill>
+              </a:rPr>
+              <a:t>Homework</a:t>
+            </a:r>
+            <a:r>
+              <a:rPr lang="en-US" dirty="0"/>
+              <a:t> – </a:t>
+            </a:r>
+            <a:r>
+              <a:rPr lang="en-US" dirty="0" smtClean="0">
+                <a:solidFill>
+                  <a:schemeClr val="accent5">
+                    <a:lumMod val="20000"/>
+                    <a:lumOff val="80000"/>
+                  </a:schemeClr>
+                </a:solidFill>
+                <a:latin typeface="Consolas" pitchFamily="49" charset="0"/>
+                <a:cs typeface="Consolas" pitchFamily="49" charset="0"/>
+              </a:rPr>
+              <a:t>10</a:t>
+            </a:r>
+            <a:r>
+              <a:rPr lang="en-US" dirty="0" smtClean="0">
+                <a:solidFill>
+                  <a:schemeClr val="accent5">
+                    <a:lumMod val="20000"/>
+                    <a:lumOff val="80000"/>
+                  </a:schemeClr>
+                </a:solidFill>
+              </a:rPr>
+              <a:t>%</a:t>
             </a:r>
             <a:endParaRPr lang="en-US" dirty="0">
               <a:solidFill>
@@ -8020,11 +8197,15 @@
           <a:p>
             <a:pPr lvl="1">
               <a:lnSpc>
-                <a:spcPct val="95000"/>
+                <a:spcPct val="90000"/>
               </a:lnSpc>
             </a:pPr>
             <a:r>
-              <a:rPr lang="en-US" dirty="0" smtClean="0">
+              <a:rPr lang="en-US" dirty="0"/>
+              <a:t>Homework </a:t>
+            </a:r>
+            <a:r>
+              <a:rPr lang="en-US" dirty="0">
                 <a:solidFill>
                   <a:schemeClr val="accent5">
                     <a:lumMod val="20000"/>
@@ -8032,14 +8213,10 @@
                   </a:schemeClr>
                 </a:solidFill>
               </a:rPr>
-              <a:t>Practical exam</a:t>
+              <a:t>evaluation </a:t>
             </a:r>
             <a:r>
               <a:rPr lang="en-US" dirty="0" smtClean="0"/>
-              <a:t> </a:t>
-            </a:r>
-            <a:r>
-              <a:rPr lang="en-US" dirty="0"/>
               <a:t>– </a:t>
             </a:r>
             <a:r>
@@ -8053,7 +8230,7 @@
                 <a:latin typeface="Consolas" pitchFamily="49" charset="0"/>
                 <a:cs typeface="Consolas" pitchFamily="49" charset="0"/>
               </a:rPr>
-              <a:t>55</a:t>
+              <a:t>5</a:t>
             </a:r>
             <a:r>
               <a:rPr lang="en-US" dirty="0" smtClean="0">
@@ -8066,135 +8243,15 @@
               </a:rPr>
               <a:t>%</a:t>
             </a:r>
-            <a:endParaRPr lang="en-US" dirty="0">
-              <a:solidFill>
-                <a:schemeClr val="accent5">
-                  <a:lumMod val="20000"/>
-                  <a:lumOff val="80000"/>
-                </a:schemeClr>
-              </a:solidFill>
-            </a:endParaRPr>
-          </a:p>
-          <a:p>
-            <a:pPr lvl="1">
+          </a:p>
+          <a:p>
+            <a:pPr lvl="2">
               <a:lnSpc>
-                <a:spcPct val="95000"/>
+                <a:spcPct val="90000"/>
               </a:lnSpc>
             </a:pPr>
             <a:r>
-              <a:rPr lang="en-US" dirty="0">
-                <a:solidFill>
-                  <a:schemeClr val="accent5">
-                    <a:lumMod val="20000"/>
-                    <a:lumOff val="80000"/>
-                  </a:schemeClr>
-                </a:solidFill>
-              </a:rPr>
-              <a:t>Homework</a:t>
-            </a:r>
-            <a:r>
-              <a:rPr lang="en-US" dirty="0"/>
-              <a:t> – </a:t>
-            </a:r>
-            <a:r>
-              <a:rPr lang="en-US" dirty="0" smtClean="0">
-                <a:solidFill>
-                  <a:schemeClr val="accent5">
-                    <a:lumMod val="20000"/>
-                    <a:lumOff val="80000"/>
-                  </a:schemeClr>
-                </a:solidFill>
-                <a:latin typeface="Consolas" pitchFamily="49" charset="0"/>
-                <a:cs typeface="Consolas" pitchFamily="49" charset="0"/>
-              </a:rPr>
-              <a:t>10</a:t>
-            </a:r>
-            <a:r>
-              <a:rPr lang="en-US" dirty="0" smtClean="0">
-                <a:solidFill>
-                  <a:schemeClr val="accent5">
-                    <a:lumMod val="20000"/>
-                    <a:lumOff val="80000"/>
-                  </a:schemeClr>
-                </a:solidFill>
-              </a:rPr>
-              <a:t>%</a:t>
-            </a:r>
-            <a:endParaRPr lang="en-US" dirty="0">
-              <a:solidFill>
-                <a:schemeClr val="accent5">
-                  <a:lumMod val="20000"/>
-                  <a:lumOff val="80000"/>
-                </a:schemeClr>
-              </a:solidFill>
-            </a:endParaRPr>
-          </a:p>
-          <a:p>
-            <a:pPr lvl="1">
-              <a:lnSpc>
-                <a:spcPct val="95000"/>
-              </a:lnSpc>
-            </a:pPr>
-            <a:r>
-              <a:rPr lang="en-US" dirty="0"/>
-              <a:t>Homework </a:t>
-            </a:r>
-            <a:r>
-              <a:rPr lang="en-US" dirty="0">
-                <a:solidFill>
-                  <a:schemeClr val="accent5">
-                    <a:lumMod val="20000"/>
-                    <a:lumOff val="80000"/>
-                  </a:schemeClr>
-                </a:solidFill>
-              </a:rPr>
-              <a:t>evaluation </a:t>
-            </a:r>
-            <a:r>
-              <a:rPr lang="en-US" dirty="0" smtClean="0"/>
-              <a:t>–</a:t>
-            </a:r>
-            <a:r>
-              <a:rPr lang="en-US" dirty="0" smtClean="0">
-                <a:solidFill>
-                  <a:schemeClr val="accent5">
-                    <a:lumMod val="20000"/>
-                    <a:lumOff val="80000"/>
-                  </a:schemeClr>
-                </a:solidFill>
-                <a:latin typeface="Consolas" pitchFamily="49" charset="0"/>
-                <a:cs typeface="Consolas" pitchFamily="49" charset="0"/>
-              </a:rPr>
-              <a:t>5</a:t>
-            </a:r>
-            <a:r>
-              <a:rPr lang="en-US" dirty="0" smtClean="0">
-                <a:solidFill>
-                  <a:schemeClr val="accent5">
-                    <a:lumMod val="20000"/>
-                    <a:lumOff val="80000"/>
-                  </a:schemeClr>
-                </a:solidFill>
-              </a:rPr>
-              <a:t>%</a:t>
-            </a:r>
-            <a:endParaRPr lang="en-US" dirty="0" smtClean="0">
-              <a:solidFill>
-                <a:schemeClr val="accent5">
-                  <a:lumMod val="20000"/>
-                  <a:lumOff val="80000"/>
-                </a:schemeClr>
-              </a:solidFill>
-            </a:endParaRPr>
-          </a:p>
-          <a:p>
-            <a:pPr lvl="2">
-              <a:lnSpc>
-                <a:spcPct val="95000"/>
-              </a:lnSpc>
-            </a:pPr>
-            <a:r>
-              <a:rPr lang="en-US" dirty="0" smtClean="0">
+              <a:rPr lang="en-US" sz="2600" dirty="0" smtClean="0">
                 <a:solidFill>
                   <a:schemeClr val="tx1">
                     <a:lumMod val="40000"/>
@@ -8207,7 +8264,7 @@
               <a:t>3</a:t>
             </a:r>
             <a:r>
-              <a:rPr lang="en-US" dirty="0" smtClean="0">
+              <a:rPr lang="en-US" sz="2600" dirty="0" smtClean="0">
                 <a:solidFill>
                   <a:schemeClr val="tx1">
                     <a:lumMod val="40000"/>
@@ -8218,7 +8275,7 @@
               <a:t> peer </a:t>
             </a:r>
             <a:r>
-              <a:rPr lang="en-US" dirty="0">
+              <a:rPr lang="en-US" sz="2600" dirty="0">
                 <a:solidFill>
                   <a:schemeClr val="tx1">
                     <a:lumMod val="40000"/>
@@ -8229,7 +8286,7 @@
               <a:t>reviews </a:t>
             </a:r>
             <a:r>
-              <a:rPr lang="en-US" dirty="0" smtClean="0">
+              <a:rPr lang="en-US" sz="2600" dirty="0" smtClean="0">
                 <a:solidFill>
                   <a:schemeClr val="tx1">
                     <a:lumMod val="40000"/>
@@ -8237,24 +8294,13 @@
                   </a:schemeClr>
                 </a:solidFill>
               </a:rPr>
-              <a:t>per </a:t>
-            </a:r>
-            <a:r>
-              <a:rPr lang="en-US" dirty="0" smtClean="0">
-                <a:solidFill>
-                  <a:schemeClr val="tx1">
-                    <a:lumMod val="40000"/>
-                    <a:lumOff val="60000"/>
-                  </a:schemeClr>
-                </a:solidFill>
-              </a:rPr>
-              <a:t>homework</a:t>
+              <a:t>per homework</a:t>
             </a:r>
           </a:p>
           <a:p>
             <a:pPr lvl="1">
               <a:lnSpc>
-                <a:spcPct val="95000"/>
+                <a:spcPct val="90000"/>
               </a:lnSpc>
             </a:pPr>
             <a:r>
@@ -8299,7 +8345,7 @@
           <a:p>
             <a:pPr lvl="1">
               <a:lnSpc>
-                <a:spcPct val="95000"/>
+                <a:spcPct val="90000"/>
               </a:lnSpc>
             </a:pPr>
             <a:r>
@@ -8364,14 +8410,14 @@
           <a:p>
             <a:pPr>
               <a:lnSpc>
-                <a:spcPct val="95000"/>
+                <a:spcPct val="90000"/>
               </a:lnSpc>
             </a:pPr>
             <a:r>
-              <a:rPr lang="en-US" dirty="0" smtClean="0"/>
+              <a:rPr lang="en-US" sz="3000" dirty="0" smtClean="0"/>
               <a:t>Bonuses</a:t>
             </a:r>
-            <a:endParaRPr lang="en-US" dirty="0">
+            <a:endParaRPr lang="en-US" sz="3000" dirty="0">
               <a:solidFill>
                 <a:schemeClr val="accent5">
                   <a:lumMod val="20000"/>
@@ -8383,7 +8429,7 @@
           <a:p>
             <a:pPr lvl="1">
               <a:lnSpc>
-                <a:spcPct val="95000"/>
+                <a:spcPct val="90000"/>
               </a:lnSpc>
             </a:pPr>
             <a:r>
@@ -9191,9 +9237,86 @@
           <a:p>
             <a:r>
               <a:rPr lang="en-US" dirty="0" smtClean="0"/>
-              <a:t>Books</a:t>
+              <a:t>Course Web Site &amp; Forums</a:t>
             </a:r>
             <a:endParaRPr lang="en-US" dirty="0"/>
+          </a:p>
+        </p:txBody>
+      </p:sp>
+      <p:sp>
+        <p:nvSpPr>
+          <p:cNvPr id="3" name="Content Placeholder 2"/>
+          <p:cNvSpPr>
+            <a:spLocks noGrp="1"/>
+          </p:cNvSpPr>
+          <p:nvPr>
+            <p:ph idx="1"/>
+          </p:nvPr>
+        </p:nvSpPr>
+        <p:spPr>
+          <a:xfrm>
+            <a:off x="228600" y="1066800"/>
+            <a:ext cx="8686800" cy="5562600"/>
+          </a:xfrm>
+        </p:spPr>
+        <p:txBody>
+          <a:bodyPr/>
+          <a:lstStyle/>
+          <a:p>
+            <a:r>
+              <a:rPr lang="en-US" dirty="0" smtClean="0"/>
+              <a:t>Register for the "Telerik Academy Forums":</a:t>
+            </a:r>
+          </a:p>
+          <a:p>
+            <a:pPr lvl="1"/>
+            <a:endParaRPr lang="en-US" sz="2900" dirty="0" smtClean="0"/>
+          </a:p>
+          <a:p>
+            <a:pPr lvl="1">
+              <a:spcBef>
+                <a:spcPts val="2400"/>
+              </a:spcBef>
+            </a:pPr>
+            <a:r>
+              <a:rPr lang="en-US" sz="2900" dirty="0" smtClean="0"/>
+              <a:t>Discuss the course exercises with your colleagues</a:t>
+            </a:r>
+          </a:p>
+          <a:p>
+            <a:pPr lvl="1"/>
+            <a:r>
+              <a:rPr lang="en-US" sz="2900" dirty="0" smtClean="0"/>
+              <a:t>Find solutions for the exercises</a:t>
+            </a:r>
+          </a:p>
+          <a:p>
+            <a:pPr lvl="1"/>
+            <a:r>
+              <a:rPr lang="en-US" sz="2900" dirty="0" smtClean="0"/>
+              <a:t>Share source code / discuss ideas</a:t>
+            </a:r>
+          </a:p>
+          <a:p>
+            <a:pPr>
+              <a:spcBef>
+                <a:spcPts val="1200"/>
+              </a:spcBef>
+            </a:pPr>
+            <a:r>
+              <a:rPr lang="en-US" dirty="0" smtClean="0"/>
+              <a:t>The JavaScript Fundamentals official </a:t>
+            </a:r>
+            <a:r>
+              <a:rPr lang="en-US" dirty="0"/>
+              <a:t>web site:</a:t>
+            </a:r>
+          </a:p>
+          <a:p>
+            <a:endParaRPr lang="en-US" sz="3100" dirty="0" smtClean="0"/>
+          </a:p>
+          <a:p>
+            <a:endParaRPr lang="en-US" sz="3100" dirty="0"/>
           </a:p>
         </p:txBody>
       </p:sp>
@@ -9226,66 +9349,233 @@
           </a:p>
         </p:txBody>
       </p:sp>
-      <p:pic>
-        <p:nvPicPr>
-          <p:cNvPr id="1026" name="Picture 2" descr="http://blog.movereem.nl/images/javascript-the-good-parts-the-definitive-guide.jpg"/>
-          <p:cNvPicPr>
-            <a:picLocks noChangeAspect="1" noChangeArrowheads="1"/>
-          </p:cNvPicPr>
+      <p:sp>
+        <p:nvSpPr>
+          <p:cNvPr id="7" name="Rounded Rectangle 6"/>
+          <p:cNvSpPr/>
           <p:nvPr/>
-        </p:nvPicPr>
-        <p:blipFill>
-          <a:blip r:embed="rId2">
-            <a:extLst>
-              <a:ext uri="{28A0092B-C50C-407E-A947-70E740481C1C}">
-                <a14:useLocalDpi xmlns:a14="http://schemas.microsoft.com/office/drawing/2010/main" val="0"/>
-              </a:ext>
-            </a:extLst>
-          </a:blip>
-          <a:srcRect/>
-          <a:stretch>
-            <a:fillRect/>
-          </a:stretch>
-        </p:blipFill>
-        <p:spPr bwMode="auto">
+        </p:nvSpPr>
+        <p:spPr>
           <a:xfrm>
-            <a:off x="990600" y="990600"/>
-            <a:ext cx="7086600" cy="5314950"/>
-          </a:xfrm>
-          <a:prstGeom prst="rect">
-            <a:avLst/>
+            <a:off x="533400" y="1676400"/>
+            <a:ext cx="8077200" cy="861704"/>
+          </a:xfrm>
+          <a:prstGeom prst="roundRect">
+            <a:avLst>
+              <a:gd name="adj" fmla="val 5953"/>
+            </a:avLst>
           </a:prstGeom>
-          <a:ln>
-            <a:noFill/>
+          <a:solidFill>
+            <a:schemeClr val="accent5">
+              <a:lumMod val="60000"/>
+              <a:lumOff val="40000"/>
+              <a:alpha val="15000"/>
+            </a:schemeClr>
+          </a:solidFill>
+          <a:ln w="6350" algn="ctr">
+            <a:solidFill>
+              <a:schemeClr val="accent5">
+                <a:lumMod val="60000"/>
+                <a:lumOff val="40000"/>
+                <a:alpha val="70000"/>
+              </a:schemeClr>
+            </a:solidFill>
+            <a:round/>
+            <a:headEnd/>
+            <a:tailEnd/>
           </a:ln>
-          <a:effectLst>
-            <a:outerShdw blurRad="292100" dist="139700" dir="2700000" algn="tl" rotWithShape="0">
-              <a:srgbClr val="333333">
-                <a:alpha val="65000"/>
-              </a:srgbClr>
-            </a:outerShdw>
-          </a:effectLst>
-          <a:extLst>
-            <a:ext uri="{909E8E84-426E-40DD-AFC4-6F175D3DCCD1}">
-              <a14:hiddenFill xmlns:a14="http://schemas.microsoft.com/office/drawing/2010/main">
-                <a:solidFill>
-                  <a:srgbClr val="FFFFFF"/>
-                </a:solidFill>
-              </a14:hiddenFill>
-            </a:ext>
-          </a:extLst>
-        </p:spPr>
-      </p:pic>
+          <a:effectLst/>
+        </p:spPr>
+        <p:txBody>
+          <a:bodyPr lIns="108000" tIns="108000" rIns="108000" bIns="108000" anchor="ctr"/>
+          <a:lstStyle/>
+          <a:p>
+            <a:pPr algn="ctr"/>
+            <a:r>
+              <a:rPr lang="en-US" sz="2400" b="1" noProof="1">
+                <a:solidFill>
+                  <a:schemeClr val="tx1">
+                    <a:lumMod val="40000"/>
+                    <a:lumOff val="60000"/>
+                  </a:schemeClr>
+                </a:solidFill>
+                <a:effectLst>
+                  <a:outerShdw blurRad="38100" dist="38100" dir="2700000" algn="tl">
+                    <a:srgbClr val="000000">
+                      <a:alpha val="43137"/>
+                    </a:srgbClr>
+                  </a:outerShdw>
+                </a:effectLst>
+                <a:latin typeface="Consolas" pitchFamily="49" charset="0"/>
+                <a:cs typeface="Consolas" pitchFamily="49" charset="0"/>
+                <a:hlinkClick r:id="rId3"/>
+              </a:rPr>
+              <a:t>http://</a:t>
+            </a:r>
+            <a:r>
+              <a:rPr lang="en-US" sz="2400" b="1" noProof="1" smtClean="0">
+                <a:solidFill>
+                  <a:schemeClr val="tx1">
+                    <a:lumMod val="40000"/>
+                    <a:lumOff val="60000"/>
+                  </a:schemeClr>
+                </a:solidFill>
+                <a:effectLst>
+                  <a:outerShdw blurRad="38100" dist="38100" dir="2700000" algn="tl">
+                    <a:srgbClr val="000000">
+                      <a:alpha val="43137"/>
+                    </a:srgbClr>
+                  </a:outerShdw>
+                </a:effectLst>
+                <a:latin typeface="Consolas" pitchFamily="49" charset="0"/>
+                <a:cs typeface="Consolas" pitchFamily="49" charset="0"/>
+                <a:hlinkClick r:id="rId3"/>
+              </a:rPr>
+              <a:t>forums.academy.telerik.com/front-end-development/javascript-part-2</a:t>
+            </a:r>
+            <a:r>
+              <a:rPr lang="en-US" sz="2400" b="1" noProof="1" smtClean="0">
+                <a:solidFill>
+                  <a:schemeClr val="tx1">
+                    <a:lumMod val="40000"/>
+                    <a:lumOff val="60000"/>
+                  </a:schemeClr>
+                </a:solidFill>
+                <a:effectLst>
+                  <a:outerShdw blurRad="38100" dist="38100" dir="2700000" algn="tl">
+                    <a:srgbClr val="000000">
+                      <a:alpha val="43137"/>
+                    </a:srgbClr>
+                  </a:outerShdw>
+                </a:effectLst>
+                <a:latin typeface="Consolas" pitchFamily="49" charset="0"/>
+                <a:cs typeface="Consolas" pitchFamily="49" charset="0"/>
+              </a:rPr>
+              <a:t> </a:t>
+            </a:r>
+            <a:endParaRPr lang="en-US" sz="2400" b="1" noProof="1">
+              <a:solidFill>
+                <a:schemeClr val="tx1">
+                  <a:lumMod val="40000"/>
+                  <a:lumOff val="60000"/>
+                </a:schemeClr>
+              </a:solidFill>
+              <a:effectLst>
+                <a:outerShdw blurRad="38100" dist="38100" dir="2700000" algn="tl">
+                  <a:srgbClr val="000000">
+                    <a:alpha val="43137"/>
+                  </a:srgbClr>
+                </a:outerShdw>
+              </a:effectLst>
+              <a:latin typeface="Consolas" pitchFamily="49" charset="0"/>
+              <a:cs typeface="Consolas" pitchFamily="49" charset="0"/>
+            </a:endParaRPr>
+          </a:p>
+        </p:txBody>
+      </p:sp>
+      <p:sp>
+        <p:nvSpPr>
+          <p:cNvPr id="8" name="Rounded Rectangle 7"/>
+          <p:cNvSpPr/>
+          <p:nvPr/>
+        </p:nvSpPr>
+        <p:spPr>
+          <a:xfrm>
+            <a:off x="533400" y="5306704"/>
+            <a:ext cx="8077200" cy="941696"/>
+          </a:xfrm>
+          <a:prstGeom prst="roundRect">
+            <a:avLst>
+              <a:gd name="adj" fmla="val 5953"/>
+            </a:avLst>
+          </a:prstGeom>
+          <a:solidFill>
+            <a:schemeClr val="accent5">
+              <a:lumMod val="60000"/>
+              <a:lumOff val="40000"/>
+              <a:alpha val="15000"/>
+            </a:schemeClr>
+          </a:solidFill>
+          <a:ln w="6350" algn="ctr">
+            <a:solidFill>
+              <a:schemeClr val="accent5">
+                <a:lumMod val="60000"/>
+                <a:lumOff val="40000"/>
+                <a:alpha val="70000"/>
+              </a:schemeClr>
+            </a:solidFill>
+            <a:round/>
+            <a:headEnd/>
+            <a:tailEnd/>
+          </a:ln>
+          <a:effectLst/>
+        </p:spPr>
+        <p:txBody>
+          <a:bodyPr lIns="108000" tIns="108000" rIns="108000" bIns="108000" anchor="ctr"/>
+          <a:lstStyle/>
+          <a:p>
+            <a:pPr algn="ctr"/>
+            <a:r>
+              <a:rPr lang="en-US" sz="2400" b="1" noProof="1" smtClean="0">
+                <a:solidFill>
+                  <a:schemeClr val="tx1">
+                    <a:lumMod val="40000"/>
+                    <a:lumOff val="60000"/>
+                  </a:schemeClr>
+                </a:solidFill>
+                <a:effectLst>
+                  <a:outerShdw blurRad="38100" dist="38100" dir="2700000" algn="tl">
+                    <a:srgbClr val="000000">
+                      <a:alpha val="43137"/>
+                    </a:srgbClr>
+                  </a:outerShdw>
+                </a:effectLst>
+                <a:latin typeface="Consolas" pitchFamily="49" charset="0"/>
+                <a:cs typeface="Consolas" pitchFamily="49" charset="0"/>
+                <a:hlinkClick r:id="rId4"/>
+              </a:rPr>
+              <a:t>academy.telerik.com/student-courses/web-design-and-ui/javascript-ui-dom/about</a:t>
+            </a:r>
+            <a:r>
+              <a:rPr lang="en-US" sz="2400" b="1" noProof="1" smtClean="0">
+                <a:solidFill>
+                  <a:schemeClr val="tx1">
+                    <a:lumMod val="40000"/>
+                    <a:lumOff val="60000"/>
+                  </a:schemeClr>
+                </a:solidFill>
+                <a:effectLst>
+                  <a:outerShdw blurRad="38100" dist="38100" dir="2700000" algn="tl">
+                    <a:srgbClr val="000000">
+                      <a:alpha val="43137"/>
+                    </a:srgbClr>
+                  </a:outerShdw>
+                </a:effectLst>
+                <a:latin typeface="Consolas" pitchFamily="49" charset="0"/>
+                <a:cs typeface="Consolas" pitchFamily="49" charset="0"/>
+              </a:rPr>
+              <a:t> </a:t>
+            </a:r>
+          </a:p>
+        </p:txBody>
+      </p:sp>
     </p:spTree>
     <p:extLst>
       <p:ext uri="{BB962C8B-B14F-4D97-AF65-F5344CB8AC3E}">
-        <p14:creationId xmlns:p14="http://schemas.microsoft.com/office/powerpoint/2010/main" val="2719028713"/>
+        <p14:creationId xmlns:p14="http://schemas.microsoft.com/office/powerpoint/2010/main" val="3161721864"/>
       </p:ext>
     </p:extLst>
   </p:cSld>
   <p:clrMapOvr>
     <a:masterClrMapping/>
   </p:clrMapOvr>
+  <p:timing>
+    <p:tnLst>
+      <p:par>
+        <p:cTn id="1" dur="indefinite" restart="never" nodeType="tmRoot"/>
+      </p:par>
+    </p:tnLst>
+  </p:timing>
 </p:sld>
 </file>
 
@@ -9316,14 +9606,26 @@
             <p:ph type="title"/>
           </p:nvPr>
         </p:nvSpPr>
-        <p:spPr/>
+        <p:spPr>
+          <a:xfrm>
+            <a:off x="1828800" y="228600"/>
+            <a:ext cx="7086600" cy="838200"/>
+          </a:xfrm>
+        </p:spPr>
         <p:txBody>
           <a:bodyPr/>
           <a:lstStyle/>
           <a:p>
             <a:r>
               <a:rPr lang="en-US" dirty="0" smtClean="0"/>
-              <a:t>Course Web Site &amp; Forums</a:t>
+              <a:t>Telerik Integrated</a:t>
+            </a:r>
+            <a:br>
+              <a:rPr lang="en-US" dirty="0" smtClean="0"/>
+            </a:br>
+            <a:r>
+              <a:rPr lang="en-US" dirty="0" smtClean="0"/>
+              <a:t>Learning System (TILS)</a:t>
             </a:r>
             <a:endParaRPr lang="en-US" dirty="0"/>
           </a:p>
@@ -9341,8 +9643,8 @@
         </p:nvSpPr>
         <p:spPr>
           <a:xfrm>
-            <a:off x="228600" y="1066800"/>
-            <a:ext cx="8686800" cy="5562600"/>
+            <a:off x="228600" y="1295400"/>
+            <a:ext cx="8686800" cy="5410200"/>
           </a:xfrm>
         </p:spPr>
         <p:txBody>
@@ -9351,58 +9653,54 @@
           <a:p>
             <a:r>
               <a:rPr lang="en-US" dirty="0" smtClean="0"/>
-              <a:t>Register for the "Telerik Academy Forums":</a:t>
+              <a:t>The Telerik Integrated Learning System (TILS)</a:t>
             </a:r>
           </a:p>
           <a:p>
             <a:pPr lvl="1"/>
-            <a:endParaRPr lang="en-US" sz="2900" dirty="0" smtClean="0"/>
-          </a:p>
-          <a:p>
-            <a:pPr lvl="1">
-              <a:spcBef>
-                <a:spcPts val="2400"/>
-              </a:spcBef>
-            </a:pPr>
-            <a:r>
-              <a:rPr lang="en-US" sz="2900" dirty="0" smtClean="0"/>
-              <a:t>Discuss the course exercises with your colleagues</a:t>
-            </a:r>
+            <a:r>
+              <a:rPr lang="en-US" dirty="0" smtClean="0">
+                <a:hlinkClick r:id="rId2"/>
+              </a:rPr>
+              <a:t>www.telerikacademy.com</a:t>
+            </a:r>
+            <a:endParaRPr lang="en-US" dirty="0" smtClean="0"/>
           </a:p>
           <a:p>
             <a:pPr lvl="1"/>
             <a:r>
-              <a:rPr lang="en-US" sz="2900" dirty="0" smtClean="0"/>
-              <a:t>Find solutions for the exercises</a:t>
+              <a:rPr lang="en-US" dirty="0" smtClean="0"/>
+              <a:t>Important resource for all students</a:t>
             </a:r>
           </a:p>
           <a:p>
             <a:pPr lvl="1"/>
             <a:r>
-              <a:rPr lang="en-US" sz="2900" dirty="0" smtClean="0"/>
-              <a:t>Share source code / discuss ideas</a:t>
-            </a:r>
-          </a:p>
-          <a:p>
-            <a:pPr>
-              <a:spcBef>
-                <a:spcPts val="1200"/>
-              </a:spcBef>
-            </a:pPr>
-            <a:r>
               <a:rPr lang="en-US" dirty="0" smtClean="0"/>
-              <a:t>The JavaScript Fundamentals official </a:t>
-            </a:r>
-            <a:r>
-              <a:rPr lang="en-US" dirty="0"/>
-              <a:t>web site:</a:t>
-            </a:r>
-          </a:p>
-          <a:p>
-            <a:endParaRPr lang="en-US" sz="3100" dirty="0" smtClean="0"/>
-          </a:p>
-          <a:p>
-            <a:endParaRPr lang="en-US" sz="3100" dirty="0"/>
+              <a:t>Homework submissions</a:t>
+            </a:r>
+          </a:p>
+          <a:p>
+            <a:pPr lvl="1"/>
+            <a:r>
+              <a:rPr lang="en-US" dirty="0" smtClean="0"/>
+              <a:t>Homework peer reviews</a:t>
+            </a:r>
+          </a:p>
+          <a:p>
+            <a:pPr lvl="1"/>
+            <a:r>
+              <a:rPr lang="en-US" dirty="0" smtClean="0"/>
+              <a:t>Presence cards with barcode</a:t>
+            </a:r>
+          </a:p>
+          <a:p>
+            <a:pPr lvl="1"/>
+            <a:r>
+              <a:rPr lang="en-US" dirty="0" smtClean="0"/>
+              <a:t>Reports about your results</a:t>
+            </a:r>
+            <a:endParaRPr lang="en-US" dirty="0"/>
           </a:p>
         </p:txBody>
       </p:sp>
@@ -9437,14 +9735,14 @@
       </p:sp>
       <p:sp>
         <p:nvSpPr>
-          <p:cNvPr id="7" name="Rounded Rectangle 6"/>
+          <p:cNvPr id="6" name="Rounded Rectangle 5"/>
           <p:cNvSpPr/>
           <p:nvPr/>
         </p:nvSpPr>
         <p:spPr>
           <a:xfrm>
-            <a:off x="533400" y="1676400"/>
-            <a:ext cx="8077200" cy="861704"/>
+            <a:off x="533400" y="5896100"/>
+            <a:ext cx="8077200" cy="609600"/>
           </a:xfrm>
           <a:prstGeom prst="roundRect">
             <a:avLst>
@@ -9478,7 +9776,7 @@
           <a:p>
             <a:pPr algn="ctr"/>
             <a:r>
-              <a:rPr lang="en-US" sz="2400" b="1" noProof="1">
+              <a:rPr lang="en-US" sz="2400" b="1" noProof="1" smtClean="0">
                 <a:solidFill>
                   <a:schemeClr val="tx1">
                     <a:lumMod val="40000"/>
@@ -9496,151 +9794,7 @@
                 <a:cs typeface="Consolas" pitchFamily="49" charset="0"/>
                 <a:hlinkClick r:id="rId3"/>
               </a:rPr>
-              <a:t>http://</a:t>
-            </a:r>
-            <a:r>
-              <a:rPr lang="en-US" sz="2400" b="1" noProof="1" smtClean="0">
-                <a:solidFill>
-                  <a:schemeClr val="tx1">
-                    <a:lumMod val="40000"/>
-                    <a:lumOff val="60000"/>
-                  </a:schemeClr>
-                </a:solidFill>
-                <a:effectLst>
-                  <a:outerShdw blurRad="38100" dist="38100" dir="2700000" algn="tl">
-                    <a:srgbClr val="000000">
-                      <a:alpha val="43137"/>
-                    </a:srgbClr>
-                  </a:outerShdw>
-                </a:effectLst>
-                <a:latin typeface="Consolas" pitchFamily="49" charset="0"/>
-                <a:cs typeface="Consolas" pitchFamily="49" charset="0"/>
-                <a:hlinkClick r:id="rId3"/>
-              </a:rPr>
-              <a:t>forums.academy.telerik.com/front-end-development/javascript-part-2</a:t>
-            </a:r>
-            <a:r>
-              <a:rPr lang="en-US" sz="2400" b="1" noProof="1" smtClean="0">
-                <a:solidFill>
-                  <a:schemeClr val="tx1">
-                    <a:lumMod val="40000"/>
-                    <a:lumOff val="60000"/>
-                  </a:schemeClr>
-                </a:solidFill>
-                <a:effectLst>
-                  <a:outerShdw blurRad="38100" dist="38100" dir="2700000" algn="tl">
-                    <a:srgbClr val="000000">
-                      <a:alpha val="43137"/>
-                    </a:srgbClr>
-                  </a:outerShdw>
-                </a:effectLst>
-                <a:latin typeface="Consolas" pitchFamily="49" charset="0"/>
-                <a:cs typeface="Consolas" pitchFamily="49" charset="0"/>
-              </a:rPr>
-              <a:t> </a:t>
-            </a:r>
-            <a:endParaRPr lang="en-US" sz="2400" b="1" noProof="1">
-              <a:solidFill>
-                <a:schemeClr val="tx1">
-                  <a:lumMod val="40000"/>
-                  <a:lumOff val="60000"/>
-                </a:schemeClr>
-              </a:solidFill>
-              <a:effectLst>
-                <a:outerShdw blurRad="38100" dist="38100" dir="2700000" algn="tl">
-                  <a:srgbClr val="000000">
-                    <a:alpha val="43137"/>
-                  </a:srgbClr>
-                </a:outerShdw>
-              </a:effectLst>
-              <a:latin typeface="Consolas" pitchFamily="49" charset="0"/>
-              <a:cs typeface="Consolas" pitchFamily="49" charset="0"/>
-            </a:endParaRPr>
-          </a:p>
-        </p:txBody>
-      </p:sp>
-      <p:sp>
-        <p:nvSpPr>
-          <p:cNvPr id="8" name="Rounded Rectangle 7"/>
-          <p:cNvSpPr/>
-          <p:nvPr/>
-        </p:nvSpPr>
-        <p:spPr>
-          <a:xfrm>
-            <a:off x="533400" y="5306704"/>
-            <a:ext cx="8077200" cy="941696"/>
-          </a:xfrm>
-          <a:prstGeom prst="roundRect">
-            <a:avLst>
-              <a:gd name="adj" fmla="val 5953"/>
-            </a:avLst>
-          </a:prstGeom>
-          <a:solidFill>
-            <a:schemeClr val="accent5">
-              <a:lumMod val="60000"/>
-              <a:lumOff val="40000"/>
-              <a:alpha val="15000"/>
-            </a:schemeClr>
-          </a:solidFill>
-          <a:ln w="6350" algn="ctr">
-            <a:solidFill>
-              <a:schemeClr val="accent5">
-                <a:lumMod val="60000"/>
-                <a:lumOff val="40000"/>
-                <a:alpha val="70000"/>
-              </a:schemeClr>
-            </a:solidFill>
-            <a:round/>
-            <a:headEnd/>
-            <a:tailEnd/>
-          </a:ln>
-          <a:effectLst/>
-        </p:spPr>
-        <p:txBody>
-          <a:bodyPr lIns="108000" tIns="108000" rIns="108000" bIns="108000" anchor="ctr"/>
-          <a:lstStyle/>
-          <a:p>
-            <a:pPr algn="ctr"/>
-            <a:r>
-              <a:rPr lang="en-US" sz="2400" b="1" noProof="1" smtClean="0">
-                <a:solidFill>
-                  <a:schemeClr val="tx1">
-                    <a:lumMod val="40000"/>
-                    <a:lumOff val="60000"/>
-                  </a:schemeClr>
-                </a:solidFill>
-                <a:effectLst>
-                  <a:outerShdw blurRad="38100" dist="38100" dir="2700000" algn="tl">
-                    <a:srgbClr val="000000">
-                      <a:alpha val="43137"/>
-                    </a:srgbClr>
-                  </a:outerShdw>
-                </a:effectLst>
-                <a:latin typeface="Consolas" pitchFamily="49" charset="0"/>
-                <a:cs typeface="Consolas" pitchFamily="49" charset="0"/>
-                <a:hlinkClick r:id="rId4"/>
-              </a:rPr>
-              <a:t>academy.telerik.com/student-courses/web-design-and-ui/javascript-ui-dom/about</a:t>
-            </a:r>
-            <a:r>
-              <a:rPr lang="en-US" sz="2400" b="1" noProof="1" smtClean="0">
-                <a:solidFill>
-                  <a:schemeClr val="tx1">
-                    <a:lumMod val="40000"/>
-                    <a:lumOff val="60000"/>
-                  </a:schemeClr>
-                </a:solidFill>
-                <a:effectLst>
-                  <a:outerShdw blurRad="38100" dist="38100" dir="2700000" algn="tl">
-                    <a:srgbClr val="000000">
-                      <a:alpha val="43137"/>
-                    </a:srgbClr>
-                  </a:outerShdw>
-                </a:effectLst>
-                <a:latin typeface="Consolas" pitchFamily="49" charset="0"/>
-                <a:cs typeface="Consolas" pitchFamily="49" charset="0"/>
-              </a:rPr>
-              <a:t> </a:t>
+              <a:t>telerikacademy.com/Courses/Courses/Details/178</a:t>
             </a:r>
             <a:endParaRPr lang="en-US" sz="2400" b="1" noProof="1" smtClean="0">
               <a:solidFill>
@@ -9662,10 +9816,42 @@
           </a:p>
         </p:txBody>
       </p:sp>
+      <p:pic>
+        <p:nvPicPr>
+          <p:cNvPr id="5" name="Picture 4"/>
+          <p:cNvPicPr>
+            <a:picLocks noChangeAspect="1"/>
+          </p:cNvPicPr>
+          <p:nvPr/>
+        </p:nvPicPr>
+        <p:blipFill rotWithShape="1">
+          <a:blip r:embed="rId4"/>
+          <a:srcRect l="15714" t="476" r="17619" b="34761"/>
+          <a:stretch/>
+        </p:blipFill>
+        <p:spPr>
+          <a:xfrm>
+            <a:off x="5715000" y="3352800"/>
+            <a:ext cx="3007659" cy="1826079"/>
+          </a:xfrm>
+          <a:prstGeom prst="roundRect">
+            <a:avLst>
+              <a:gd name="adj" fmla="val 1019"/>
+            </a:avLst>
+          </a:prstGeom>
+          <a:ln w="19050">
+            <a:solidFill>
+              <a:schemeClr val="tx2">
+                <a:lumMod val="50000"/>
+              </a:schemeClr>
+            </a:solidFill>
+          </a:ln>
+        </p:spPr>
+      </p:pic>
     </p:spTree>
     <p:extLst>
       <p:ext uri="{BB962C8B-B14F-4D97-AF65-F5344CB8AC3E}">
-        <p14:creationId xmlns:p14="http://schemas.microsoft.com/office/powerpoint/2010/main" val="3161721864"/>
+        <p14:creationId xmlns:p14="http://schemas.microsoft.com/office/powerpoint/2010/main" val="297593817"/>
       </p:ext>
     </p:extLst>
   </p:cSld>
@@ -9709,26 +9895,14 @@
             <p:ph type="title"/>
           </p:nvPr>
         </p:nvSpPr>
-        <p:spPr>
-          <a:xfrm>
-            <a:off x="1828800" y="228600"/>
-            <a:ext cx="7086600" cy="838200"/>
-          </a:xfrm>
-        </p:spPr>
+        <p:spPr/>
         <p:txBody>
           <a:bodyPr/>
           <a:lstStyle/>
           <a:p>
             <a:r>
-              <a:rPr lang="en-US" dirty="0" smtClean="0"/>
-              <a:t>Telerik Integrated</a:t>
-            </a:r>
-            <a:br>
-              <a:rPr lang="en-US" dirty="0" smtClean="0"/>
-            </a:br>
-            <a:r>
-              <a:rPr lang="en-US" dirty="0" smtClean="0"/>
-              <a:t>Learning System (TILS)</a:t>
+              <a:rPr lang="en-US" smtClean="0"/>
+              <a:t>Required Software</a:t>
             </a:r>
             <a:endParaRPr lang="en-US" dirty="0"/>
           </a:p>
@@ -9746,64 +9920,163 @@
         </p:nvSpPr>
         <p:spPr>
           <a:xfrm>
-            <a:off x="228600" y="1295400"/>
-            <a:ext cx="8686800" cy="5410200"/>
+            <a:off x="228600" y="990600"/>
+            <a:ext cx="8686800" cy="5638800"/>
           </a:xfrm>
         </p:spPr>
         <p:txBody>
           <a:bodyPr/>
           <a:lstStyle/>
           <a:p>
+            <a:pPr>
+              <a:lnSpc>
+                <a:spcPct val="110000"/>
+              </a:lnSpc>
+            </a:pPr>
             <a:r>
               <a:rPr lang="en-US" dirty="0" smtClean="0"/>
-              <a:t>The Telerik Integrated Learning System (TILS)</a:t>
-            </a:r>
-          </a:p>
-          <a:p>
-            <a:pPr lvl="1"/>
+              <a:t>Software needed for this course:</a:t>
+            </a:r>
+          </a:p>
+          <a:p>
+            <a:pPr lvl="1">
+              <a:lnSpc>
+                <a:spcPct val="110000"/>
+              </a:lnSpc>
+            </a:pPr>
+            <a:r>
+              <a:rPr lang="en-US" dirty="0" smtClean="0"/>
+              <a:t>Microsoft </a:t>
+            </a:r>
             <a:r>
               <a:rPr lang="en-US" dirty="0" smtClean="0">
-                <a:hlinkClick r:id="rId2"/>
+                <a:solidFill>
+                  <a:schemeClr val="accent5">
+                    <a:lumMod val="20000"/>
+                    <a:lumOff val="80000"/>
+                  </a:schemeClr>
+                </a:solidFill>
               </a:rPr>
-              <a:t>www.telerikacademy.com</a:t>
-            </a:r>
-            <a:endParaRPr lang="en-US" dirty="0" smtClean="0"/>
-          </a:p>
-          <a:p>
-            <a:pPr lvl="1"/>
+              <a:t>Visual Studio </a:t>
+            </a:r>
+            <a:r>
+              <a:rPr lang="en-US" dirty="0" smtClean="0">
+                <a:solidFill>
+                  <a:schemeClr val="accent5">
+                    <a:lumMod val="20000"/>
+                    <a:lumOff val="80000"/>
+                  </a:schemeClr>
+                </a:solidFill>
+                <a:latin typeface="Consolas" pitchFamily="49" charset="0"/>
+                <a:cs typeface="Consolas" pitchFamily="49" charset="0"/>
+              </a:rPr>
+              <a:t>2013</a:t>
+            </a:r>
+            <a:r>
+              <a:rPr lang="en-US" dirty="0" smtClean="0">
+                <a:solidFill>
+                  <a:schemeClr val="accent5">
+                    <a:lumMod val="20000"/>
+                    <a:lumOff val="80000"/>
+                  </a:schemeClr>
+                </a:solidFill>
+              </a:rPr>
+              <a:t> </a:t>
+            </a:r>
             <a:r>
               <a:rPr lang="en-US" dirty="0" smtClean="0"/>
-              <a:t>Important resource for all students</a:t>
-            </a:r>
-          </a:p>
-          <a:p>
-            <a:pPr lvl="1"/>
+              <a:t>or </a:t>
+            </a:r>
+            <a:r>
+              <a:rPr lang="en-US" dirty="0" smtClean="0">
+                <a:hlinkClick r:id="rId3"/>
+              </a:rPr>
+              <a:t>Visual Studio Express </a:t>
+            </a:r>
+            <a:r>
+              <a:rPr lang="en-US" dirty="0" smtClean="0">
+                <a:latin typeface="Consolas" pitchFamily="49" charset="0"/>
+                <a:cs typeface="Consolas" pitchFamily="49" charset="0"/>
+                <a:hlinkClick r:id="rId3"/>
+              </a:rPr>
+              <a:t>2013</a:t>
+            </a:r>
             <a:r>
               <a:rPr lang="en-US" dirty="0" smtClean="0"/>
-              <a:t>Homework submissions</a:t>
-            </a:r>
-          </a:p>
-          <a:p>
-            <a:pPr lvl="1"/>
+              <a:t> (free version </a:t>
+            </a:r>
+            <a:r>
+              <a:rPr lang="en-US" dirty="0"/>
+              <a:t>of VS </a:t>
+            </a:r>
+            <a:r>
+              <a:rPr lang="en-US" dirty="0" smtClean="0">
+                <a:latin typeface="Consolas" pitchFamily="49" charset="0"/>
+                <a:cs typeface="Consolas" pitchFamily="49" charset="0"/>
+              </a:rPr>
+              <a:t>2013</a:t>
+            </a:r>
             <a:r>
               <a:rPr lang="en-US" dirty="0" smtClean="0"/>
-              <a:t>Homework peer reviews</a:t>
-            </a:r>
-          </a:p>
-          <a:p>
-            <a:pPr lvl="1"/>
+              <a:t>)</a:t>
+            </a:r>
+          </a:p>
+          <a:p>
+            <a:pPr lvl="1">
+              <a:lnSpc>
+                <a:spcPct val="110000"/>
+              </a:lnSpc>
+            </a:pPr>
             <a:r>
               <a:rPr lang="en-US" dirty="0" smtClean="0"/>
-              <a:t>Presence cards with barcode</a:t>
-            </a:r>
-          </a:p>
-          <a:p>
-            <a:pPr lvl="1"/>
+              <a:t>Sublime Text</a:t>
+            </a:r>
+            <a:r>
+              <a:rPr lang="bg-BG" dirty="0" smtClean="0"/>
+              <a:t> </a:t>
+            </a:r>
+            <a:r>
+              <a:rPr lang="bg-BG" dirty="0" smtClean="0">
+                <a:latin typeface="Consolas" panose="020B0609020204030204" pitchFamily="49" charset="0"/>
+                <a:cs typeface="Consolas" panose="020B0609020204030204" pitchFamily="49" charset="0"/>
+              </a:rPr>
+              <a:t>2/3</a:t>
+            </a:r>
+            <a:endParaRPr lang="en-US" dirty="0"/>
+          </a:p>
+          <a:p>
+            <a:pPr lvl="1">
+              <a:lnSpc>
+                <a:spcPct val="110000"/>
+              </a:lnSpc>
+            </a:pPr>
+            <a:r>
+              <a:rPr lang="en-US" dirty="0" err="1"/>
+              <a:t>WebStorm</a:t>
+            </a:r>
+            <a:endParaRPr lang="en-US" dirty="0"/>
+          </a:p>
+          <a:p>
+            <a:pPr lvl="1">
+              <a:lnSpc>
+                <a:spcPct val="110000"/>
+              </a:lnSpc>
+            </a:pPr>
             <a:r>
               <a:rPr lang="en-US" dirty="0" smtClean="0"/>
-              <a:t>Reports about your results</a:t>
-            </a:r>
-            <a:endParaRPr lang="en-US" dirty="0"/>
+              <a:t>Komodo IDE</a:t>
+            </a:r>
+          </a:p>
+          <a:p>
+            <a:pPr lvl="1">
+              <a:lnSpc>
+                <a:spcPct val="110000"/>
+              </a:lnSpc>
+            </a:pPr>
+            <a:r>
+              <a:rPr lang="en-US" dirty="0" smtClean="0"/>
+              <a:t>Notepad ++</a:t>
+            </a:r>
           </a:p>
         </p:txBody>
       </p:sp>
@@ -9831,379 +10104,6 @@
                 <a:defRPr/>
               </a:pPr>
               <a:t>17</a:t>
-            </a:fld>
-            <a:endParaRPr lang="en-US" dirty="0"/>
-          </a:p>
-        </p:txBody>
-      </p:sp>
-      <p:sp>
-        <p:nvSpPr>
-          <p:cNvPr id="6" name="Rounded Rectangle 5"/>
-          <p:cNvSpPr/>
-          <p:nvPr/>
-        </p:nvSpPr>
-        <p:spPr>
-          <a:xfrm>
-            <a:off x="533400" y="5896100"/>
-            <a:ext cx="8077200" cy="609600"/>
-          </a:xfrm>
-          <a:prstGeom prst="roundRect">
-            <a:avLst>
-              <a:gd name="adj" fmla="val 5953"/>
-            </a:avLst>
-          </a:prstGeom>
-          <a:solidFill>
-            <a:schemeClr val="accent5">
-              <a:lumMod val="60000"/>
-              <a:lumOff val="40000"/>
-              <a:alpha val="15000"/>
-            </a:schemeClr>
-          </a:solidFill>
-          <a:ln w="6350" algn="ctr">
-            <a:solidFill>
-              <a:schemeClr val="accent5">
-                <a:lumMod val="60000"/>
-                <a:lumOff val="40000"/>
-                <a:alpha val="70000"/>
-              </a:schemeClr>
-            </a:solidFill>
-            <a:round/>
-            <a:headEnd/>
-            <a:tailEnd/>
-          </a:ln>
-          <a:effectLst/>
-        </p:spPr>
-        <p:txBody>
-          <a:bodyPr lIns="108000" tIns="108000" rIns="108000" bIns="108000" anchor="ctr"/>
-          <a:lstStyle/>
-          <a:p>
-            <a:pPr algn="ctr"/>
-            <a:r>
-              <a:rPr lang="en-US" sz="2400" b="1" noProof="1" smtClean="0">
-                <a:solidFill>
-                  <a:schemeClr val="tx1">
-                    <a:lumMod val="40000"/>
-                    <a:lumOff val="60000"/>
-                  </a:schemeClr>
-                </a:solidFill>
-                <a:effectLst>
-                  <a:outerShdw blurRad="38100" dist="38100" dir="2700000" algn="tl">
-                    <a:srgbClr val="000000">
-                      <a:alpha val="43137"/>
-                    </a:srgbClr>
-                  </a:outerShdw>
-                </a:effectLst>
-                <a:latin typeface="Consolas" pitchFamily="49" charset="0"/>
-                <a:cs typeface="Consolas" pitchFamily="49" charset="0"/>
-                <a:hlinkClick r:id="rId3"/>
-              </a:rPr>
-              <a:t>telerikacademy.com/Courses/Courses/Details/178</a:t>
-            </a:r>
-            <a:endParaRPr lang="en-US" sz="2400" b="1" noProof="1" smtClean="0">
-              <a:solidFill>
-                <a:schemeClr val="tx1">
-                  <a:lumMod val="40000"/>
-                  <a:lumOff val="60000"/>
-                </a:schemeClr>
-              </a:solidFill>
-              <a:effectLst>
-                <a:outerShdw blurRad="38100" dist="38100" dir="2700000" algn="tl">
-                  <a:srgbClr val="000000">
-                    <a:alpha val="43137"/>
-                  </a:srgbClr>
-                </a:outerShdw>
-              </a:effectLst>
-              <a:latin typeface="Consolas" pitchFamily="49" charset="0"/>
-              <a:cs typeface="Consolas" pitchFamily="49" charset="0"/>
-            </a:endParaRPr>
-          </a:p>
-        </p:txBody>
-      </p:sp>
-      <p:pic>
-        <p:nvPicPr>
-          <p:cNvPr id="7" name="Picture 6"/>
-          <p:cNvPicPr>
-            <a:picLocks noChangeAspect="1"/>
-          </p:cNvPicPr>
-          <p:nvPr/>
-        </p:nvPicPr>
-        <p:blipFill>
-          <a:blip r:embed="rId4"/>
-          <a:stretch>
-            <a:fillRect/>
-          </a:stretch>
-        </p:blipFill>
-        <p:spPr>
-          <a:xfrm>
-            <a:off x="5841292" y="3331181"/>
-            <a:ext cx="2801750" cy="2071813"/>
-          </a:xfrm>
-          <a:prstGeom prst="rect">
-            <a:avLst/>
-          </a:prstGeom>
-          <a:ln>
-            <a:noFill/>
-          </a:ln>
-          <a:effectLst>
-            <a:outerShdw blurRad="292100" dist="139700" dir="2700000" algn="tl" rotWithShape="0">
-              <a:srgbClr val="333333">
-                <a:alpha val="65000"/>
-              </a:srgbClr>
-            </a:outerShdw>
-          </a:effectLst>
-        </p:spPr>
-      </p:pic>
-    </p:spTree>
-    <p:extLst>
-      <p:ext uri="{BB962C8B-B14F-4D97-AF65-F5344CB8AC3E}">
-        <p14:creationId xmlns:p14="http://schemas.microsoft.com/office/powerpoint/2010/main" val="297593817"/>
-      </p:ext>
-    </p:extLst>
-  </p:cSld>
-  <p:clrMapOvr>
-    <a:masterClrMapping/>
-  </p:clrMapOvr>
-  <p:timing>
-    <p:tnLst>
-      <p:par>
-        <p:cTn id="1" dur="indefinite" restart="never" nodeType="tmRoot"/>
-      </p:par>
-    </p:tnLst>
-  </p:timing>
-</p:sld>
-</file>
-
-<file path=ppt/slides/slide18.xml><?xml version="1.0" encoding="utf-8"?>
-<p:sld xmlns:a="http://schemas.openxmlformats.org/drawingml/2006/main" xmlns:r="http://schemas.openxmlformats.org/officeDocument/2006/relationships" xmlns:p="http://schemas.openxmlformats.org/presentationml/2006/main">
-  <p:cSld>
-    <p:spTree>
-      <p:nvGrpSpPr>
-        <p:cNvPr id="1" name=""/>
-        <p:cNvGrpSpPr/>
-        <p:nvPr/>
-      </p:nvGrpSpPr>
-      <p:grpSpPr>
-        <a:xfrm>
-          <a:off x="0" y="0"/>
-          <a:ext cx="0" cy="0"/>
-          <a:chOff x="0" y="0"/>
-          <a:chExt cx="0" cy="0"/>
-        </a:xfrm>
-      </p:grpSpPr>
-      <p:sp>
-        <p:nvSpPr>
-          <p:cNvPr id="2" name="Title 1"/>
-          <p:cNvSpPr>
-            <a:spLocks noGrp="1"/>
-          </p:cNvSpPr>
-          <p:nvPr>
-            <p:ph type="title"/>
-          </p:nvPr>
-        </p:nvSpPr>
-        <p:spPr/>
-        <p:txBody>
-          <a:bodyPr/>
-          <a:lstStyle/>
-          <a:p>
-            <a:r>
-              <a:rPr lang="en-US" smtClean="0"/>
-              <a:t>Required Software</a:t>
-            </a:r>
-            <a:endParaRPr lang="en-US" dirty="0"/>
-          </a:p>
-        </p:txBody>
-      </p:sp>
-      <p:sp>
-        <p:nvSpPr>
-          <p:cNvPr id="3" name="Content Placeholder 2"/>
-          <p:cNvSpPr>
-            <a:spLocks noGrp="1"/>
-          </p:cNvSpPr>
-          <p:nvPr>
-            <p:ph idx="1"/>
-          </p:nvPr>
-        </p:nvSpPr>
-        <p:spPr>
-          <a:xfrm>
-            <a:off x="228600" y="990600"/>
-            <a:ext cx="8686800" cy="5638800"/>
-          </a:xfrm>
-        </p:spPr>
-        <p:txBody>
-          <a:bodyPr/>
-          <a:lstStyle/>
-          <a:p>
-            <a:pPr>
-              <a:lnSpc>
-                <a:spcPct val="110000"/>
-              </a:lnSpc>
-            </a:pPr>
-            <a:r>
-              <a:rPr lang="en-US" dirty="0" smtClean="0"/>
-              <a:t>Software needed for this course:</a:t>
-            </a:r>
-          </a:p>
-          <a:p>
-            <a:pPr lvl="1">
-              <a:lnSpc>
-                <a:spcPct val="110000"/>
-              </a:lnSpc>
-            </a:pPr>
-            <a:r>
-              <a:rPr lang="en-US" dirty="0" smtClean="0"/>
-              <a:t>Microsoft </a:t>
-            </a:r>
-            <a:r>
-              <a:rPr lang="en-US" dirty="0" smtClean="0">
-                <a:solidFill>
-                  <a:schemeClr val="accent5">
-                    <a:lumMod val="20000"/>
-                    <a:lumOff val="80000"/>
-                  </a:schemeClr>
-                </a:solidFill>
-              </a:rPr>
-              <a:t>Visual Studio </a:t>
-            </a:r>
-            <a:r>
-              <a:rPr lang="en-US" dirty="0" smtClean="0">
-                <a:solidFill>
-                  <a:schemeClr val="accent5">
-                    <a:lumMod val="20000"/>
-                    <a:lumOff val="80000"/>
-                  </a:schemeClr>
-                </a:solidFill>
-                <a:latin typeface="Consolas" pitchFamily="49" charset="0"/>
-                <a:cs typeface="Consolas" pitchFamily="49" charset="0"/>
-              </a:rPr>
-              <a:t>2013</a:t>
-            </a:r>
-            <a:r>
-              <a:rPr lang="en-US" dirty="0" smtClean="0">
-                <a:solidFill>
-                  <a:schemeClr val="accent5">
-                    <a:lumMod val="20000"/>
-                    <a:lumOff val="80000"/>
-                  </a:schemeClr>
-                </a:solidFill>
-              </a:rPr>
-              <a:t> </a:t>
-            </a:r>
-            <a:r>
-              <a:rPr lang="en-US" dirty="0" smtClean="0"/>
-              <a:t>or </a:t>
-            </a:r>
-            <a:r>
-              <a:rPr lang="en-US" dirty="0" smtClean="0">
-                <a:hlinkClick r:id="rId3"/>
-              </a:rPr>
-              <a:t>Visual Studio Express </a:t>
-            </a:r>
-            <a:r>
-              <a:rPr lang="en-US" dirty="0" smtClean="0">
-                <a:latin typeface="Consolas" pitchFamily="49" charset="0"/>
-                <a:cs typeface="Consolas" pitchFamily="49" charset="0"/>
-                <a:hlinkClick r:id="rId3"/>
-              </a:rPr>
-              <a:t>2013</a:t>
-            </a:r>
-            <a:r>
-              <a:rPr lang="en-US" dirty="0" smtClean="0"/>
-              <a:t> (free version </a:t>
-            </a:r>
-            <a:r>
-              <a:rPr lang="en-US" dirty="0"/>
-              <a:t>of VS </a:t>
-            </a:r>
-            <a:r>
-              <a:rPr lang="en-US" dirty="0" smtClean="0">
-                <a:latin typeface="Consolas" pitchFamily="49" charset="0"/>
-                <a:cs typeface="Consolas" pitchFamily="49" charset="0"/>
-              </a:rPr>
-              <a:t>2013</a:t>
-            </a:r>
-            <a:r>
-              <a:rPr lang="en-US" dirty="0" smtClean="0"/>
-              <a:t>)</a:t>
-            </a:r>
-          </a:p>
-          <a:p>
-            <a:pPr lvl="1">
-              <a:lnSpc>
-                <a:spcPct val="110000"/>
-              </a:lnSpc>
-            </a:pPr>
-            <a:r>
-              <a:rPr lang="en-US" dirty="0" smtClean="0"/>
-              <a:t>Sublime </a:t>
-            </a:r>
-            <a:r>
-              <a:rPr lang="en-US" dirty="0" smtClean="0"/>
-              <a:t>Text</a:t>
-            </a:r>
-            <a:r>
-              <a:rPr lang="bg-BG" dirty="0" smtClean="0"/>
-              <a:t> </a:t>
-            </a:r>
-            <a:r>
-              <a:rPr lang="bg-BG" dirty="0" smtClean="0">
-                <a:latin typeface="Consolas" panose="020B0609020204030204" pitchFamily="49" charset="0"/>
-                <a:cs typeface="Consolas" panose="020B0609020204030204" pitchFamily="49" charset="0"/>
-              </a:rPr>
-              <a:t>2/3</a:t>
-            </a:r>
-            <a:endParaRPr lang="en-US" dirty="0" smtClean="0">
-              <a:latin typeface="Consolas" panose="020B0609020204030204" pitchFamily="49" charset="0"/>
-              <a:cs typeface="Consolas" panose="020B0609020204030204" pitchFamily="49" charset="0"/>
-            </a:endParaRPr>
-          </a:p>
-          <a:p>
-            <a:pPr lvl="1">
-              <a:lnSpc>
-                <a:spcPct val="110000"/>
-              </a:lnSpc>
-            </a:pPr>
-            <a:r>
-              <a:rPr lang="en-US" dirty="0" smtClean="0"/>
-              <a:t>Komodo IDE</a:t>
-            </a:r>
-          </a:p>
-          <a:p>
-            <a:pPr lvl="1">
-              <a:lnSpc>
-                <a:spcPct val="110000"/>
-              </a:lnSpc>
-            </a:pPr>
-            <a:r>
-              <a:rPr lang="en-US" dirty="0" smtClean="0"/>
-              <a:t>Notepad ++</a:t>
-            </a:r>
-          </a:p>
-        </p:txBody>
-      </p:sp>
-      <p:sp>
-        <p:nvSpPr>
-          <p:cNvPr id="4" name="Slide Number Placeholder 3"/>
-          <p:cNvSpPr>
-            <a:spLocks noGrp="1"/>
-          </p:cNvSpPr>
-          <p:nvPr>
-            <p:ph type="sldNum" sz="quarter" idx="10"/>
-          </p:nvPr>
-        </p:nvSpPr>
-        <p:spPr/>
-        <p:txBody>
-          <a:bodyPr/>
-          <a:lstStyle/>
-          <a:p>
-            <a:pPr>
-              <a:defRPr/>
-            </a:pPr>
-            <a:fld id="{58452FF4-89E3-4D1B-9927-2DBDC00E58D7}" type="slidenum">
-              <a:rPr lang="en-US" smtClean="0"/>
-              <a:pPr>
-                <a:defRPr/>
-              </a:pPr>
-              <a:t>18</a:t>
             </a:fld>
             <a:endParaRPr lang="en-US" dirty="0"/>
           </a:p>
@@ -10232,7 +10132,7 @@
         </p:blipFill>
         <p:spPr bwMode="auto">
           <a:xfrm>
-            <a:off x="1995486" y="5327219"/>
+            <a:off x="1995486" y="5486400"/>
             <a:ext cx="5153025" cy="981076"/>
           </a:xfrm>
           <a:prstGeom prst="roundRect">
@@ -10282,7 +10182,7 @@
         </p:blipFill>
         <p:spPr bwMode="auto">
           <a:xfrm>
-            <a:off x="6017704" y="3002281"/>
+            <a:off x="6248400" y="3154682"/>
             <a:ext cx="1981200" cy="1981200"/>
           </a:xfrm>
           <a:prstGeom prst="rect">
@@ -10350,7 +10250,7 @@
         </p:blipFill>
         <p:spPr bwMode="auto">
           <a:xfrm>
-            <a:off x="3743253" y="3002281"/>
+            <a:off x="4038600" y="3307083"/>
             <a:ext cx="1657492" cy="1676398"/>
           </a:xfrm>
           <a:prstGeom prst="rect">
@@ -10382,6 +10282,225 @@
     <p:extLst>
       <p:ext uri="{BB962C8B-B14F-4D97-AF65-F5344CB8AC3E}">
         <p14:creationId xmlns:p14="http://schemas.microsoft.com/office/powerpoint/2010/main" val="3345775208"/>
+      </p:ext>
+    </p:extLst>
+  </p:cSld>
+  <p:clrMapOvr>
+    <a:masterClrMapping/>
+  </p:clrMapOvr>
+  <p:timing>
+    <p:tnLst>
+      <p:par>
+        <p:cTn id="1" dur="indefinite" restart="never" nodeType="tmRoot"/>
+      </p:par>
+    </p:tnLst>
+  </p:timing>
+</p:sld>
+</file>
+
+<file path=ppt/slides/slide18.xml><?xml version="1.0" encoding="utf-8"?>
+<p:sld xmlns:a="http://schemas.openxmlformats.org/drawingml/2006/main" xmlns:r="http://schemas.openxmlformats.org/officeDocument/2006/relationships" xmlns:p="http://schemas.openxmlformats.org/presentationml/2006/main">
+  <p:cSld>
+    <p:spTree>
+      <p:nvGrpSpPr>
+        <p:cNvPr id="1" name=""/>
+        <p:cNvGrpSpPr/>
+        <p:nvPr/>
+      </p:nvGrpSpPr>
+      <p:grpSpPr>
+        <a:xfrm>
+          <a:off x="0" y="0"/>
+          <a:ext cx="0" cy="0"/>
+          <a:chOff x="0" y="0"/>
+          <a:chExt cx="0" cy="0"/>
+        </a:xfrm>
+      </p:grpSpPr>
+      <p:sp>
+        <p:nvSpPr>
+          <p:cNvPr id="4" name="Title 3"/>
+          <p:cNvSpPr>
+            <a:spLocks noGrp="1"/>
+          </p:cNvSpPr>
+          <p:nvPr>
+            <p:ph type="ctrTitle"/>
+          </p:nvPr>
+        </p:nvSpPr>
+        <p:spPr>
+          <a:xfrm>
+            <a:off x="304800" y="1219200"/>
+            <a:ext cx="8534400" cy="685800"/>
+          </a:xfrm>
+        </p:spPr>
+        <p:txBody>
+          <a:bodyPr/>
+          <a:lstStyle/>
+          <a:p>
+            <a:r>
+              <a:rPr lang="en-US" dirty="0" smtClean="0"/>
+              <a:t>Champions from the Exam</a:t>
+            </a:r>
+            <a:endParaRPr lang="en-US" dirty="0"/>
+          </a:p>
+        </p:txBody>
+      </p:sp>
+      <p:sp>
+        <p:nvSpPr>
+          <p:cNvPr id="5" name="Subtitle 4"/>
+          <p:cNvSpPr>
+            <a:spLocks noGrp="1"/>
+          </p:cNvSpPr>
+          <p:nvPr>
+            <p:ph type="subTitle" idx="1"/>
+          </p:nvPr>
+        </p:nvSpPr>
+        <p:spPr>
+          <a:xfrm>
+            <a:off x="609600" y="1981200"/>
+            <a:ext cx="7924800" cy="569120"/>
+          </a:xfrm>
+        </p:spPr>
+        <p:txBody>
+          <a:bodyPr/>
+          <a:lstStyle/>
+          <a:p>
+            <a:r>
+              <a:rPr lang="en-US" dirty="0" smtClean="0"/>
+              <a:t>Telerik </a:t>
+            </a:r>
+            <a:r>
+              <a:rPr lang="en-US" smtClean="0"/>
+              <a:t>Academy Ninja Champions</a:t>
+            </a:r>
+            <a:endParaRPr lang="en-US" dirty="0"/>
+          </a:p>
+        </p:txBody>
+      </p:sp>
+      <p:pic>
+        <p:nvPicPr>
+          <p:cNvPr id="11267" name="Picture 3"/>
+          <p:cNvPicPr>
+            <a:picLocks noChangeAspect="1" noChangeArrowheads="1"/>
+          </p:cNvPicPr>
+          <p:nvPr/>
+        </p:nvPicPr>
+        <p:blipFill>
+          <a:blip r:embed="rId2">
+            <a:extLst>
+              <a:ext uri="{28A0092B-C50C-407E-A947-70E740481C1C}">
+                <a14:useLocalDpi xmlns:a14="http://schemas.microsoft.com/office/drawing/2010/main"/>
+              </a:ext>
+            </a:extLst>
+          </a:blip>
+          <a:srcRect/>
+          <a:stretch>
+            <a:fillRect/>
+          </a:stretch>
+        </p:blipFill>
+        <p:spPr bwMode="auto">
+          <a:xfrm>
+            <a:off x="4853226" y="2971800"/>
+            <a:ext cx="3452574" cy="3181350"/>
+          </a:xfrm>
+          <a:prstGeom prst="rect">
+            <a:avLst/>
+          </a:prstGeom>
+          <a:noFill/>
+          <a:ln>
+            <a:noFill/>
+          </a:ln>
+          <a:effectLst>
+            <a:glow rad="63500">
+              <a:schemeClr val="accent5">
+                <a:lumMod val="60000"/>
+                <a:lumOff val="40000"/>
+                <a:alpha val="40000"/>
+              </a:schemeClr>
+            </a:glow>
+            <a:outerShdw dist="35921" dir="2700000" algn="ctr" rotWithShape="0">
+              <a:schemeClr val="bg2"/>
+            </a:outerShdw>
+          </a:effectLst>
+          <a:extLst>
+            <a:ext uri="{909E8E84-426E-40DD-AFC4-6F175D3DCCD1}">
+              <a14:hiddenFill xmlns:a14="http://schemas.microsoft.com/office/drawing/2010/main">
+                <a:solidFill>
+                  <a:schemeClr val="accent1"/>
+                </a:solidFill>
+              </a14:hiddenFill>
+            </a:ext>
+            <a:ext uri="{91240B29-F687-4F45-9708-019B960494DF}">
+              <a14:hiddenLine xmlns:a14="http://schemas.microsoft.com/office/drawing/2010/main" w="9525">
+                <a:solidFill>
+                  <a:schemeClr val="tx1"/>
+                </a:solidFill>
+                <a:miter lim="800000"/>
+                <a:headEnd/>
+                <a:tailEnd/>
+              </a14:hiddenLine>
+            </a:ext>
+          </a:extLst>
+        </p:spPr>
+      </p:pic>
+      <p:pic>
+        <p:nvPicPr>
+          <p:cNvPr id="6146" name="Picture 2" descr="http://academy.telerik.com/images/default-album/programming-champion-telerik-academy.png?sfvrsn=2"/>
+          <p:cNvPicPr>
+            <a:picLocks noChangeAspect="1" noChangeArrowheads="1"/>
+          </p:cNvPicPr>
+          <p:nvPr/>
+        </p:nvPicPr>
+        <p:blipFill>
+          <a:blip r:embed="rId3">
+            <a:extLst>
+              <a:ext uri="{28A0092B-C50C-407E-A947-70E740481C1C}">
+                <a14:useLocalDpi xmlns:a14="http://schemas.microsoft.com/office/drawing/2010/main"/>
+              </a:ext>
+            </a:extLst>
+          </a:blip>
+          <a:srcRect/>
+          <a:stretch>
+            <a:fillRect/>
+          </a:stretch>
+        </p:blipFill>
+        <p:spPr bwMode="auto">
+          <a:xfrm>
+            <a:off x="1219200" y="2971801"/>
+            <a:ext cx="3176064" cy="3176064"/>
+          </a:xfrm>
+          <a:prstGeom prst="rect">
+            <a:avLst/>
+          </a:prstGeom>
+          <a:noFill/>
+          <a:ln>
+            <a:noFill/>
+          </a:ln>
+          <a:effectLst>
+            <a:glow rad="63500">
+              <a:schemeClr val="accent5">
+                <a:lumMod val="60000"/>
+                <a:lumOff val="40000"/>
+                <a:alpha val="40000"/>
+              </a:schemeClr>
+            </a:glow>
+            <a:outerShdw dist="35921" dir="2700000" algn="ctr" rotWithShape="0">
+              <a:schemeClr val="bg2"/>
+            </a:outerShdw>
+          </a:effectLst>
+          <a:extLst>
+            <a:ext uri="{909E8E84-426E-40DD-AFC4-6F175D3DCCD1}">
+              <a14:hiddenFill xmlns:a14="http://schemas.microsoft.com/office/drawing/2010/main">
+                <a:solidFill>
+                  <a:srgbClr val="FFFFFF"/>
+                </a:solidFill>
+              </a14:hiddenFill>
+            </a:ext>
+          </a:extLst>
+        </p:spPr>
+      </p:pic>
+    </p:spTree>
+    <p:extLst>
+      <p:ext uri="{BB962C8B-B14F-4D97-AF65-F5344CB8AC3E}">
+        <p14:creationId xmlns:p14="http://schemas.microsoft.com/office/powerpoint/2010/main" val="3483384863"/>
       </p:ext>
     </p:extLst>
   </p:cSld>
@@ -10417,7 +10536,7 @@
       </p:grpSpPr>
       <p:sp>
         <p:nvSpPr>
-          <p:cNvPr id="5" name="Title 4"/>
+          <p:cNvPr id="4" name="Title 3"/>
           <p:cNvSpPr>
             <a:spLocks noGrp="1"/>
           </p:cNvSpPr>
@@ -10427,8 +10546,8 @@
         </p:nvSpPr>
         <p:spPr>
           <a:xfrm>
-            <a:off x="1828800" y="228600"/>
-            <a:ext cx="7086600" cy="1066800"/>
+            <a:off x="457200" y="228600"/>
+            <a:ext cx="8458200" cy="914400"/>
           </a:xfrm>
         </p:spPr>
         <p:txBody>
@@ -10437,38 +10556,88 @@
           <a:p>
             <a:r>
               <a:rPr lang="en-US" dirty="0" smtClean="0"/>
-              <a:t>JavaScript </a:t>
-            </a:r>
-            <a:r>
-              <a:rPr lang="en-US" dirty="0" smtClean="0"/>
-              <a:t>UI </a:t>
-            </a:r>
-            <a:r>
-              <a:rPr lang="en-US" dirty="0" smtClean="0"/>
-              <a:t>&amp; Dom</a:t>
-            </a:r>
-            <a:r>
-              <a:rPr lang="en-US" smtClean="0"/>
-              <a:t/>
-            </a:r>
-            <a:br>
-              <a:rPr lang="en-US" smtClean="0"/>
-            </a:br>
-            <a:r>
-              <a:rPr lang="en-US" smtClean="0"/>
-              <a:t>Course </a:t>
-            </a:r>
-            <a:r>
-              <a:rPr lang="en-US" smtClean="0"/>
-              <a:t>Introduction</a:t>
+              <a:t>Champions: JS Fundamentals</a:t>
             </a:r>
             <a:endParaRPr lang="en-US" dirty="0"/>
+          </a:p>
+        </p:txBody>
+      </p:sp>
+      <p:sp>
+        <p:nvSpPr>
+          <p:cNvPr id="5" name="Content Placeholder 4"/>
+          <p:cNvSpPr>
+            <a:spLocks noGrp="1"/>
+          </p:cNvSpPr>
+          <p:nvPr>
+            <p:ph idx="1"/>
+          </p:nvPr>
+        </p:nvSpPr>
+        <p:spPr>
+          <a:xfrm>
+            <a:off x="228600" y="1295400"/>
+            <a:ext cx="8686800" cy="5410200"/>
+          </a:xfrm>
+        </p:spPr>
+        <p:txBody>
+          <a:bodyPr/>
+          <a:lstStyle/>
+          <a:p>
+            <a:r>
+              <a:rPr lang="en-US" noProof="1" smtClean="0"/>
+              <a:t># 1 – Dimitar Kostov (d.kostov88</a:t>
+            </a:r>
+            <a:r>
+              <a:rPr lang="en-US" noProof="1"/>
+              <a:t>)</a:t>
+            </a:r>
+            <a:endParaRPr lang="en-US" noProof="1" smtClean="0"/>
+          </a:p>
+          <a:p>
+            <a:r>
+              <a:rPr lang="en-US" noProof="1" smtClean="0"/>
+              <a:t># 2 – Elena Pitsin (</a:t>
+            </a:r>
+            <a:r>
+              <a:rPr lang="en-US" dirty="0" err="1" smtClean="0"/>
+              <a:t>epitsin</a:t>
+            </a:r>
+            <a:r>
+              <a:rPr lang="en-US" dirty="0"/>
+              <a:t>)</a:t>
+            </a:r>
+            <a:endParaRPr lang="en-US" noProof="1" smtClean="0"/>
+          </a:p>
+          <a:p>
+            <a:r>
+              <a:rPr lang="en-US" noProof="1" smtClean="0"/>
+              <a:t># 3 – Jivko Rusev (neutrino)</a:t>
+            </a:r>
+          </a:p>
+          <a:p>
+            <a:r>
+              <a:rPr lang="en-US" noProof="1"/>
+              <a:t># 4 </a:t>
+            </a:r>
+            <a:r>
+              <a:rPr lang="en-US" noProof="1" smtClean="0"/>
+              <a:t>– Dzhenko Penev (dzhenko)</a:t>
+            </a:r>
+          </a:p>
+          <a:p>
+            <a:r>
+              <a:rPr lang="en-US" noProof="1"/>
+              <a:t># 5 – </a:t>
+            </a:r>
+            <a:r>
+              <a:rPr lang="en-US" noProof="1" smtClean="0"/>
+              <a:t>Julian Genchev (JulianG)</a:t>
+            </a:r>
           </a:p>
         </p:txBody>
       </p:sp>
       <p:pic>
         <p:nvPicPr>
-          <p:cNvPr id="2050" name="Picture 2" descr="http://i386.photobucket.com/albums/oo308/Psycho_Saturn/Lolcats/Questions.jpg"/>
+          <p:cNvPr id="12290" name="Picture 2" descr="http://www.montana.edu/wwwextec/images/champion.jpg"/>
           <p:cNvPicPr>
             <a:picLocks noChangeAspect="1" noChangeArrowheads="1"/>
           </p:cNvPicPr>
@@ -10476,6 +10645,77 @@
         </p:nvPicPr>
         <p:blipFill>
           <a:blip r:embed="rId2" cstate="screen">
+            <a:extLst>
+              <a:ext uri="{BEBA8EAE-BF5A-486C-A8C5-ECC9F3942E4B}">
+                <a14:imgProps xmlns:a14="http://schemas.microsoft.com/office/drawing/2010/main">
+                  <a14:imgLayer r:embed="rId3">
+                    <a14:imgEffect>
+                      <a14:brightnessContrast contrast="-40000"/>
+                    </a14:imgEffect>
+                  </a14:imgLayer>
+                </a14:imgProps>
+              </a:ext>
+              <a:ext uri="{28A0092B-C50C-407E-A947-70E740481C1C}">
+                <a14:useLocalDpi xmlns:a14="http://schemas.microsoft.com/office/drawing/2010/main"/>
+              </a:ext>
+            </a:extLst>
+          </a:blip>
+          <a:srcRect/>
+          <a:stretch>
+            <a:fillRect/>
+          </a:stretch>
+        </p:blipFill>
+        <p:spPr bwMode="auto">
+          <a:xfrm>
+            <a:off x="6553200" y="4268411"/>
+            <a:ext cx="2247900" cy="2247900"/>
+          </a:xfrm>
+          <a:prstGeom prst="roundRect">
+            <a:avLst>
+              <a:gd name="adj" fmla="val 2221"/>
+            </a:avLst>
+          </a:prstGeom>
+          <a:noFill/>
+          <a:ln w="19050">
+            <a:solidFill>
+              <a:schemeClr val="accent5">
+                <a:lumMod val="75000"/>
+              </a:schemeClr>
+            </a:solidFill>
+          </a:ln>
+          <a:extLst>
+            <a:ext uri="{909E8E84-426E-40DD-AFC4-6F175D3DCCD1}">
+              <a14:hiddenFill xmlns:a14="http://schemas.microsoft.com/office/drawing/2010/main">
+                <a:solidFill>
+                  <a:srgbClr val="FFFFFF"/>
+                </a:solidFill>
+              </a14:hiddenFill>
+            </a:ext>
+          </a:extLst>
+        </p:spPr>
+      </p:pic>
+      <p:pic>
+        <p:nvPicPr>
+          <p:cNvPr id="3074" name="Picture 2" descr="http://www.google.bg/url?source=imglanding&amp;ct=img&amp;q=http://3.bp.blogspot.com/_pqc1Ho2DfSs/SQFIbVYy2KI/AAAAAAAADrY/ctNoiGGxOSw/s400/iamninja.png&amp;sa=X&amp;ei=BBbrUOCRN8TjtQbsjICADQ&amp;ved=0CAkQ8wc4Lg&amp;usg=AFQjCNEQP1XUm783cxyyiXzqyyzjL6wlHQ"/>
+          <p:cNvPicPr>
+            <a:picLocks noChangeAspect="1" noChangeArrowheads="1"/>
+          </p:cNvPicPr>
+          <p:nvPr/>
+        </p:nvPicPr>
+        <p:blipFill>
+          <a:blip r:embed="rId4" cstate="screen">
+            <a:clrChange>
+              <a:clrFrom>
+                <a:srgbClr val="000000">
+                  <a:alpha val="99608"/>
+                </a:srgbClr>
+              </a:clrFrom>
+              <a:clrTo>
+                <a:srgbClr val="000000">
+                  <a:alpha val="0"/>
+                </a:srgbClr>
+              </a:clrTo>
+            </a:clrChange>
             <a:extLst>
               <a:ext uri="{28A0092B-C50C-407E-A947-70E740481C1C}">
                 <a14:useLocalDpi xmlns:a14="http://schemas.microsoft.com/office/drawing/2010/main"/>
@@ -10489,109 +10729,58 @@
         </p:blipFill>
         <p:spPr bwMode="auto">
           <a:xfrm>
-            <a:off x="3162300" y="4343400"/>
-            <a:ext cx="2819400" cy="1866443"/>
-          </a:xfrm>
-          <a:prstGeom prst="roundRect">
-            <a:avLst>
-              <a:gd name="adj" fmla="val 6025"/>
-            </a:avLst>
-          </a:prstGeom>
-          <a:noFill/>
-          <a:ln w="3175">
-            <a:solidFill>
-              <a:schemeClr val="accent5">
-                <a:lumMod val="60000"/>
-                <a:lumOff val="40000"/>
-              </a:schemeClr>
-            </a:solidFill>
-          </a:ln>
-        </p:spPr>
-      </p:pic>
-      <p:sp>
-        <p:nvSpPr>
-          <p:cNvPr id="6" name="TextBox 5"/>
-          <p:cNvSpPr txBox="1"/>
-          <p:nvPr/>
-        </p:nvSpPr>
-        <p:spPr>
-          <a:xfrm>
-            <a:off x="6172200" y="6412468"/>
-            <a:ext cx="2909707" cy="369332"/>
+            <a:off x="6369424" y="1905000"/>
+            <a:ext cx="2286000" cy="1325881"/>
           </a:xfrm>
           <a:prstGeom prst="rect">
             <a:avLst/>
           </a:prstGeom>
           <a:noFill/>
+          <a:extLst>
+            <a:ext uri="{909E8E84-426E-40DD-AFC4-6F175D3DCCD1}">
+              <a14:hiddenFill xmlns:a14="http://schemas.microsoft.com/office/drawing/2010/main">
+                <a:solidFill>
+                  <a:srgbClr val="FFFFFF"/>
+                </a:solidFill>
+              </a14:hiddenFill>
+            </a:ext>
+          </a:extLst>
+        </p:spPr>
+      </p:pic>
+      <p:sp>
+        <p:nvSpPr>
+          <p:cNvPr id="9" name="Slide Number Placeholder 3"/>
+          <p:cNvSpPr>
+            <a:spLocks noGrp="1"/>
+          </p:cNvSpPr>
+          <p:nvPr>
+            <p:ph type="sldNum" sz="quarter" idx="10"/>
+          </p:nvPr>
+        </p:nvSpPr>
+        <p:spPr>
+          <a:xfrm>
+            <a:off x="8610600" y="6553200"/>
+            <a:ext cx="457200" cy="228600"/>
+          </a:xfrm>
         </p:spPr>
         <p:txBody>
-          <a:bodyPr wrap="none" rtlCol="0">
-            <a:spAutoFit/>
-          </a:bodyPr>
+          <a:bodyPr/>
           <a:lstStyle/>
           <a:p>
-            <a:pPr algn="r"/>
-            <a:r>
-              <a:rPr lang="en-US" sz="1800" b="1" dirty="0" smtClean="0">
-                <a:hlinkClick r:id="rId3"/>
-              </a:rPr>
-              <a:t>http://academy.telerik.com</a:t>
-            </a:r>
-            <a:endParaRPr lang="en-US" sz="1800" b="1" dirty="0"/>
+            <a:pPr>
+              <a:defRPr/>
+            </a:pPr>
+            <a:fld id="{A5196D2F-D5A7-4E7D-852A-CA3F32274879}" type="slidenum">
+              <a:rPr lang="en-US" smtClean="0"/>
+              <a:t>19</a:t>
+            </a:fld>
+            <a:endParaRPr lang="en-US" dirty="0"/>
           </a:p>
         </p:txBody>
       </p:sp>
       <p:pic>
         <p:nvPicPr>
-          <p:cNvPr id="2" name="Picture 2" descr="http://4.bp.blogspot.com/-zjl383NQ4ds/T8HgT61BsKI/AAAAAAAABZk/Byf-wIMKta8/s400/qmark.jpg"/>
-          <p:cNvPicPr>
-            <a:picLocks noChangeAspect="1" noChangeArrowheads="1"/>
-          </p:cNvPicPr>
-          <p:nvPr/>
-        </p:nvPicPr>
-        <p:blipFill rotWithShape="1">
-          <a:blip r:embed="rId4">
-            <a:extLst>
-              <a:ext uri="{28A0092B-C50C-407E-A947-70E740481C1C}">
-                <a14:useLocalDpi xmlns:a14="http://schemas.microsoft.com/office/drawing/2010/main" val="0"/>
-              </a:ext>
-            </a:extLst>
-          </a:blip>
-          <a:srcRect l="16000" t="1787" r="16000" b="1787"/>
-          <a:stretch/>
-        </p:blipFill>
-        <p:spPr bwMode="auto">
-          <a:xfrm rot="1597351">
-            <a:off x="850531" y="1364225"/>
-            <a:ext cx="1485900" cy="2107064"/>
-          </a:xfrm>
-          <a:prstGeom prst="roundRect">
-            <a:avLst>
-              <a:gd name="adj" fmla="val 13111"/>
-            </a:avLst>
-          </a:prstGeom>
-          <a:noFill/>
-          <a:ln w="19050">
-            <a:solidFill>
-              <a:schemeClr val="accent6">
-                <a:lumMod val="75000"/>
-              </a:schemeClr>
-            </a:solidFill>
-          </a:ln>
-          <a:extLst>
-            <a:ext uri="{909E8E84-426E-40DD-AFC4-6F175D3DCCD1}">
-              <a14:hiddenFill xmlns:a14="http://schemas.microsoft.com/office/drawing/2010/main">
-                <a:solidFill>
-                  <a:srgbClr val="FFFFFF"/>
-                </a:solidFill>
-              </a14:hiddenFill>
-            </a:ext>
-          </a:extLst>
-        </p:spPr>
-      </p:pic>
-      <p:pic>
-        <p:nvPicPr>
-          <p:cNvPr id="2052" name="Picture 4" descr="http://t1.gstatic.com/images?q=tbn:ANd9GcRCa6W5xmQwEAcBgQt5lO1fuHJhkJwWV3p_SsxgQNAWdjTool8Lig"/>
+          <p:cNvPr id="1026" name="Picture 2" descr="http://upload.wikimedia.org/wikipedia/en/9/95/Powerpuff_girls_characters.jpg"/>
           <p:cNvPicPr>
             <a:picLocks noChangeAspect="1" noChangeArrowheads="1"/>
           </p:cNvPicPr>
@@ -10611,23 +10800,14 @@
           </a:stretch>
         </p:blipFill>
         <p:spPr bwMode="auto">
-          <a:xfrm rot="20322367" flipH="1">
-            <a:off x="6939596" y="1669130"/>
-            <a:ext cx="1671890" cy="2087782"/>
+          <a:xfrm>
+            <a:off x="1752600" y="4673436"/>
+            <a:ext cx="2819400" cy="1860804"/>
           </a:xfrm>
           <a:prstGeom prst="roundRect">
-            <a:avLst>
-              <a:gd name="adj" fmla="val 13111"/>
-            </a:avLst>
+            <a:avLst/>
           </a:prstGeom>
           <a:noFill/>
-          <a:ln w="19050">
-            <a:solidFill>
-              <a:schemeClr val="accent6">
-                <a:lumMod val="75000"/>
-              </a:schemeClr>
-            </a:solidFill>
-          </a:ln>
           <a:extLst>
             <a:ext uri="{909E8E84-426E-40DD-AFC4-6F175D3DCCD1}">
               <a14:hiddenFill xmlns:a14="http://schemas.microsoft.com/office/drawing/2010/main">
@@ -10642,7 +10822,7 @@
     </p:spTree>
     <p:extLst>
       <p:ext uri="{BB962C8B-B14F-4D97-AF65-F5344CB8AC3E}">
-        <p14:creationId xmlns:p14="http://schemas.microsoft.com/office/powerpoint/2010/main" val="4164791432"/>
+        <p14:creationId xmlns:p14="http://schemas.microsoft.com/office/powerpoint/2010/main" val="1578536882"/>
       </p:ext>
     </p:extLst>
   </p:cSld>
@@ -10755,23 +10935,14 @@
           <a:p>
             <a:r>
               <a:rPr lang="en-US" dirty="0" smtClean="0"/>
-              <a:t>What is next </a:t>
-            </a:r>
+              <a:t>What is next in the Academy?</a:t>
+            </a:r>
+          </a:p>
+          <a:p>
             <a:r>
               <a:rPr lang="en-US" dirty="0" smtClean="0"/>
-              <a:t>in the Academy?</a:t>
-            </a:r>
-          </a:p>
-          <a:p>
-            <a:r>
-              <a:rPr lang="en-US" dirty="0" smtClean="0"/>
-              <a:t>The JavaScript </a:t>
-            </a:r>
-            <a:r>
-              <a:rPr lang="en-US" dirty="0" smtClean="0"/>
-              <a:t>UI and DOM course Program</a:t>
-            </a:r>
-            <a:endParaRPr lang="en-US" dirty="0" smtClean="0"/>
+              <a:t>The JavaScript UI and DOM Course Program</a:t>
+            </a:r>
           </a:p>
           <a:p>
             <a:r>
@@ -10784,6 +10955,13 @@
             <a:r>
               <a:rPr lang="en-US" dirty="0" smtClean="0"/>
               <a:t>Standard Criteria</a:t>
+            </a:r>
+          </a:p>
+          <a:p>
+            <a:pPr lvl="1"/>
+            <a:r>
+              <a:rPr lang="en-US" dirty="0" smtClean="0"/>
+              <a:t>Champions</a:t>
             </a:r>
           </a:p>
           <a:p>
@@ -10855,6 +11033,251 @@
 </file>
 
 <file path=ppt/slides/slide20.xml><?xml version="1.0" encoding="utf-8"?>
+<p:sld xmlns:a="http://schemas.openxmlformats.org/drawingml/2006/main" xmlns:r="http://schemas.openxmlformats.org/officeDocument/2006/relationships" xmlns:p="http://schemas.openxmlformats.org/presentationml/2006/main">
+  <p:cSld>
+    <p:spTree>
+      <p:nvGrpSpPr>
+        <p:cNvPr id="1" name=""/>
+        <p:cNvGrpSpPr/>
+        <p:nvPr/>
+      </p:nvGrpSpPr>
+      <p:grpSpPr>
+        <a:xfrm>
+          <a:off x="0" y="0"/>
+          <a:ext cx="0" cy="0"/>
+          <a:chOff x="0" y="0"/>
+          <a:chExt cx="0" cy="0"/>
+        </a:xfrm>
+      </p:grpSpPr>
+      <p:sp>
+        <p:nvSpPr>
+          <p:cNvPr id="5" name="Title 4"/>
+          <p:cNvSpPr>
+            <a:spLocks noGrp="1"/>
+          </p:cNvSpPr>
+          <p:nvPr>
+            <p:ph type="title"/>
+          </p:nvPr>
+        </p:nvSpPr>
+        <p:spPr>
+          <a:xfrm>
+            <a:off x="1828800" y="228600"/>
+            <a:ext cx="7086600" cy="1066800"/>
+          </a:xfrm>
+        </p:spPr>
+        <p:txBody>
+          <a:bodyPr/>
+          <a:lstStyle/>
+          <a:p>
+            <a:r>
+              <a:rPr lang="en-US" dirty="0" smtClean="0"/>
+              <a:t>JavaScript UI &amp; Dom</a:t>
+            </a:r>
+            <a:br>
+              <a:rPr lang="en-US" dirty="0" smtClean="0"/>
+            </a:br>
+            <a:r>
+              <a:rPr lang="en-US" dirty="0" smtClean="0"/>
+              <a:t>Course Introduction</a:t>
+            </a:r>
+            <a:endParaRPr lang="en-US" dirty="0"/>
+          </a:p>
+        </p:txBody>
+      </p:sp>
+      <p:pic>
+        <p:nvPicPr>
+          <p:cNvPr id="2050" name="Picture 2" descr="http://i386.photobucket.com/albums/oo308/Psycho_Saturn/Lolcats/Questions.jpg"/>
+          <p:cNvPicPr>
+            <a:picLocks noChangeAspect="1" noChangeArrowheads="1"/>
+          </p:cNvPicPr>
+          <p:nvPr/>
+        </p:nvPicPr>
+        <p:blipFill>
+          <a:blip r:embed="rId2" cstate="screen">
+            <a:extLst>
+              <a:ext uri="{28A0092B-C50C-407E-A947-70E740481C1C}">
+                <a14:useLocalDpi xmlns:a14="http://schemas.microsoft.com/office/drawing/2010/main"/>
+              </a:ext>
+            </a:extLst>
+          </a:blip>
+          <a:srcRect/>
+          <a:stretch>
+            <a:fillRect/>
+          </a:stretch>
+        </p:blipFill>
+        <p:spPr bwMode="auto">
+          <a:xfrm>
+            <a:off x="3162300" y="4343400"/>
+            <a:ext cx="2819400" cy="1866443"/>
+          </a:xfrm>
+          <a:prstGeom prst="roundRect">
+            <a:avLst>
+              <a:gd name="adj" fmla="val 6025"/>
+            </a:avLst>
+          </a:prstGeom>
+          <a:noFill/>
+          <a:ln w="3175">
+            <a:solidFill>
+              <a:schemeClr val="accent5">
+                <a:lumMod val="60000"/>
+                <a:lumOff val="40000"/>
+              </a:schemeClr>
+            </a:solidFill>
+          </a:ln>
+        </p:spPr>
+      </p:pic>
+      <p:sp>
+        <p:nvSpPr>
+          <p:cNvPr id="6" name="TextBox 5"/>
+          <p:cNvSpPr txBox="1"/>
+          <p:nvPr/>
+        </p:nvSpPr>
+        <p:spPr>
+          <a:xfrm>
+            <a:off x="6172200" y="6412468"/>
+            <a:ext cx="2909707" cy="369332"/>
+          </a:xfrm>
+          <a:prstGeom prst="rect">
+            <a:avLst/>
+          </a:prstGeom>
+          <a:noFill/>
+        </p:spPr>
+        <p:txBody>
+          <a:bodyPr wrap="none" rtlCol="0">
+            <a:spAutoFit/>
+          </a:bodyPr>
+          <a:lstStyle/>
+          <a:p>
+            <a:pPr algn="r"/>
+            <a:r>
+              <a:rPr lang="en-US" sz="1800" b="1" dirty="0" smtClean="0">
+                <a:hlinkClick r:id="rId3"/>
+              </a:rPr>
+              <a:t>http://academy.telerik.com</a:t>
+            </a:r>
+            <a:endParaRPr lang="en-US" sz="1800" b="1" dirty="0"/>
+          </a:p>
+        </p:txBody>
+      </p:sp>
+      <p:pic>
+        <p:nvPicPr>
+          <p:cNvPr id="2" name="Picture 2" descr="http://4.bp.blogspot.com/-zjl383NQ4ds/T8HgT61BsKI/AAAAAAAABZk/Byf-wIMKta8/s400/qmark.jpg"/>
+          <p:cNvPicPr>
+            <a:picLocks noChangeAspect="1" noChangeArrowheads="1"/>
+          </p:cNvPicPr>
+          <p:nvPr/>
+        </p:nvPicPr>
+        <p:blipFill rotWithShape="1">
+          <a:blip r:embed="rId4">
+            <a:extLst>
+              <a:ext uri="{28A0092B-C50C-407E-A947-70E740481C1C}">
+                <a14:useLocalDpi xmlns:a14="http://schemas.microsoft.com/office/drawing/2010/main" val="0"/>
+              </a:ext>
+            </a:extLst>
+          </a:blip>
+          <a:srcRect l="16000" t="1787" r="16000" b="1787"/>
+          <a:stretch/>
+        </p:blipFill>
+        <p:spPr bwMode="auto">
+          <a:xfrm rot="1597351">
+            <a:off x="850531" y="1364225"/>
+            <a:ext cx="1485900" cy="2107064"/>
+          </a:xfrm>
+          <a:prstGeom prst="roundRect">
+            <a:avLst>
+              <a:gd name="adj" fmla="val 13111"/>
+            </a:avLst>
+          </a:prstGeom>
+          <a:noFill/>
+          <a:ln w="19050">
+            <a:solidFill>
+              <a:schemeClr val="accent6">
+                <a:lumMod val="75000"/>
+              </a:schemeClr>
+            </a:solidFill>
+          </a:ln>
+          <a:extLst>
+            <a:ext uri="{909E8E84-426E-40DD-AFC4-6F175D3DCCD1}">
+              <a14:hiddenFill xmlns:a14="http://schemas.microsoft.com/office/drawing/2010/main">
+                <a:solidFill>
+                  <a:srgbClr val="FFFFFF"/>
+                </a:solidFill>
+              </a14:hiddenFill>
+            </a:ext>
+          </a:extLst>
+        </p:spPr>
+      </p:pic>
+      <p:pic>
+        <p:nvPicPr>
+          <p:cNvPr id="2052" name="Picture 4" descr="http://t1.gstatic.com/images?q=tbn:ANd9GcRCa6W5xmQwEAcBgQt5lO1fuHJhkJwWV3p_SsxgQNAWdjTool8Lig"/>
+          <p:cNvPicPr>
+            <a:picLocks noChangeAspect="1" noChangeArrowheads="1"/>
+          </p:cNvPicPr>
+          <p:nvPr/>
+        </p:nvPicPr>
+        <p:blipFill>
+          <a:blip r:embed="rId5">
+            <a:extLst>
+              <a:ext uri="{28A0092B-C50C-407E-A947-70E740481C1C}">
+                <a14:useLocalDpi xmlns:a14="http://schemas.microsoft.com/office/drawing/2010/main" val="0"/>
+              </a:ext>
+            </a:extLst>
+          </a:blip>
+          <a:srcRect/>
+          <a:stretch>
+            <a:fillRect/>
+          </a:stretch>
+        </p:blipFill>
+        <p:spPr bwMode="auto">
+          <a:xfrm rot="20322367" flipH="1">
+            <a:off x="6939596" y="1669130"/>
+            <a:ext cx="1671890" cy="2087782"/>
+          </a:xfrm>
+          <a:prstGeom prst="roundRect">
+            <a:avLst>
+              <a:gd name="adj" fmla="val 13111"/>
+            </a:avLst>
+          </a:prstGeom>
+          <a:noFill/>
+          <a:ln w="19050">
+            <a:solidFill>
+              <a:schemeClr val="accent6">
+                <a:lumMod val="75000"/>
+              </a:schemeClr>
+            </a:solidFill>
+          </a:ln>
+          <a:extLst>
+            <a:ext uri="{909E8E84-426E-40DD-AFC4-6F175D3DCCD1}">
+              <a14:hiddenFill xmlns:a14="http://schemas.microsoft.com/office/drawing/2010/main">
+                <a:solidFill>
+                  <a:srgbClr val="FFFFFF"/>
+                </a:solidFill>
+              </a14:hiddenFill>
+            </a:ext>
+          </a:extLst>
+        </p:spPr>
+      </p:pic>
+    </p:spTree>
+    <p:extLst>
+      <p:ext uri="{BB962C8B-B14F-4D97-AF65-F5344CB8AC3E}">
+        <p14:creationId xmlns:p14="http://schemas.microsoft.com/office/powerpoint/2010/main" val="4164791432"/>
+      </p:ext>
+    </p:extLst>
+  </p:cSld>
+  <p:clrMapOvr>
+    <a:masterClrMapping/>
+  </p:clrMapOvr>
+  <p:timing>
+    <p:tnLst>
+      <p:par>
+        <p:cTn id="1" dur="indefinite" restart="never" nodeType="tmRoot"/>
+      </p:par>
+    </p:tnLst>
+  </p:timing>
+</p:sld>
+</file>
+
+<file path=ppt/slides/slide21.xml><?xml version="1.0" encoding="utf-8"?>
 <p:sld xmlns:a="http://schemas.openxmlformats.org/drawingml/2006/main" xmlns:r="http://schemas.openxmlformats.org/officeDocument/2006/relationships" xmlns:p="http://schemas.openxmlformats.org/presentationml/2006/main">
   <p:cSld>
     <p:spTree>
@@ -11328,11 +11751,7 @@
           <a:p>
             <a:r>
               <a:rPr lang="en-US" dirty="0" smtClean="0"/>
-              <a:t>JavaScript </a:t>
-            </a:r>
-            <a:r>
-              <a:rPr lang="en-US" dirty="0" smtClean="0"/>
-              <a:t>UI and DOM</a:t>
+              <a:t>JavaScript UI and DOM</a:t>
             </a:r>
             <a:endParaRPr lang="en-US" dirty="0"/>
           </a:p>
@@ -11540,33 +11959,22 @@
           <a:p>
             <a:r>
               <a:rPr lang="en-US" dirty="0" smtClean="0"/>
-              <a:t>JavaScript </a:t>
-            </a:r>
+              <a:t>JavaScript UI and DOM</a:t>
+            </a:r>
+          </a:p>
+          <a:p>
+            <a:pPr lvl="1"/>
             <a:r>
               <a:rPr lang="en-US" dirty="0" smtClean="0"/>
-              <a:t>UI and DOM</a:t>
-            </a:r>
-            <a:endParaRPr lang="en-US" dirty="0" smtClean="0"/>
+              <a:t>Continuation of JavaScript Fundamentals</a:t>
+            </a:r>
           </a:p>
           <a:p>
             <a:pPr lvl="1"/>
             <a:r>
               <a:rPr lang="en-US" dirty="0" smtClean="0"/>
-              <a:t>Continuation of </a:t>
-            </a:r>
-            <a:r>
-              <a:rPr lang="en-US" dirty="0" smtClean="0"/>
-              <a:t>JavaScript Fundamentals</a:t>
-            </a:r>
-            <a:endParaRPr lang="en-US" dirty="0" smtClean="0"/>
-          </a:p>
-          <a:p>
-            <a:pPr lvl="1"/>
-            <a:r>
-              <a:rPr lang="en-US" dirty="0" smtClean="0"/>
-              <a:t>Developing UI for web applications</a:t>
-            </a:r>
-            <a:endParaRPr lang="en-US" dirty="0" smtClean="0"/>
+              <a:t>First steps in developing UI for web applications</a:t>
+            </a:r>
           </a:p>
           <a:p>
             <a:r>
@@ -11594,11 +12002,32 @@
           <a:p>
             <a:r>
               <a:rPr lang="en-US" dirty="0" smtClean="0"/>
-              <a:t>The course </a:t>
+              <a:t>The course exam</a:t>
+            </a:r>
+          </a:p>
+          <a:p>
+            <a:pPr lvl="1"/>
+            <a:r>
+              <a:rPr lang="en-US" dirty="0" smtClean="0">
+                <a:latin typeface="Consolas" panose="020B0609020204030204" pitchFamily="49" charset="0"/>
+                <a:cs typeface="Consolas" panose="020B0609020204030204" pitchFamily="49" charset="0"/>
+              </a:rPr>
+              <a:t>3</a:t>
             </a:r>
             <a:r>
               <a:rPr lang="en-US" dirty="0" smtClean="0"/>
-              <a:t>exam</a:t>
+              <a:t> tasks for </a:t>
+            </a:r>
+            <a:r>
+              <a:rPr lang="en-US" dirty="0" smtClean="0">
+                <a:latin typeface="Consolas" panose="020B0609020204030204" pitchFamily="49" charset="0"/>
+                <a:cs typeface="Consolas" panose="020B0609020204030204" pitchFamily="49" charset="0"/>
+              </a:rPr>
+              <a:t>4-6</a:t>
+            </a:r>
+            <a:r>
+              <a:rPr lang="en-US" dirty="0" smtClean="0"/>
+              <a:t> hours</a:t>
             </a:r>
             <a:endParaRPr lang="en-US" dirty="0"/>
           </a:p>
@@ -11608,7 +12037,6 @@
               <a:rPr lang="en-US" dirty="0" smtClean="0"/>
               <a:t>Developing web components</a:t>
             </a:r>
-            <a:endParaRPr lang="en-US" dirty="0" smtClean="0"/>
           </a:p>
         </p:txBody>
       </p:sp>
@@ -11752,11 +12180,7 @@
           <a:p>
             <a:r>
               <a:rPr lang="en-US" dirty="0" smtClean="0"/>
-              <a:t>JavaScript </a:t>
-            </a:r>
-            <a:r>
-              <a:rPr lang="en-US" dirty="0" smtClean="0"/>
-              <a:t>UI and DOM: Course Program</a:t>
+              <a:t>JavaScript UI and DOM: Course Program</a:t>
             </a:r>
             <a:endParaRPr lang="en-US" dirty="0"/>
           </a:p>
@@ -11890,22 +12314,14 @@
           <a:p>
             <a:r>
               <a:rPr lang="en-US" dirty="0" smtClean="0"/>
-              <a:t>JavaScript </a:t>
-            </a:r>
-            <a:r>
-              <a:rPr lang="en-US" dirty="0" smtClean="0"/>
-              <a:t>UI and DOM:</a:t>
+              <a:t>JavaScript UI and DOM:</a:t>
             </a:r>
             <a:br>
               <a:rPr lang="en-US" dirty="0" smtClean="0"/>
             </a:br>
             <a:r>
               <a:rPr lang="en-US" dirty="0" smtClean="0"/>
-              <a:t>Course </a:t>
-            </a:r>
-            <a:r>
-              <a:rPr lang="en-US" dirty="0" smtClean="0"/>
-              <a:t>Program</a:t>
+              <a:t>Course Program</a:t>
             </a:r>
             <a:endParaRPr lang="en-US" dirty="0"/>
           </a:p>
@@ -11923,8 +12339,8 @@
         </p:nvSpPr>
         <p:spPr>
           <a:xfrm>
-            <a:off x="228600" y="1143000"/>
-            <a:ext cx="8686800" cy="5486400"/>
+            <a:off x="228600" y="1524000"/>
+            <a:ext cx="8686800" cy="3886200"/>
           </a:xfrm>
         </p:spPr>
         <p:txBody>
@@ -11938,13 +12354,8 @@
             </a:pPr>
             <a:r>
               <a:rPr lang="en-US" dirty="0" smtClean="0"/>
-              <a:t>JavaScript </a:t>
-            </a:r>
-            <a:r>
-              <a:rPr lang="en-US" dirty="0" smtClean="0"/>
-              <a:t>UI and DOM course introduction</a:t>
-            </a:r>
-            <a:endParaRPr lang="en-US" dirty="0" smtClean="0"/>
+              <a:t>"JavaScript UI &amp; DOM" course introduction</a:t>
+            </a:r>
           </a:p>
           <a:p>
             <a:pPr lvl="1">
@@ -11964,10 +12375,9 @@
               </a:lnSpc>
             </a:pPr>
             <a:r>
-              <a:rPr lang="en-US" dirty="0" smtClean="0"/>
-              <a:t>HTML5 Canvas</a:t>
-            </a:r>
-            <a:endParaRPr lang="en-US" dirty="0" smtClean="0"/>
+              <a:rPr lang="en-US" dirty="0"/>
+              <a:t>Document Object Model</a:t>
+            </a:r>
           </a:p>
           <a:p>
             <a:pPr lvl="1">
@@ -11976,8 +12386,8 @@
               </a:lnSpc>
             </a:pPr>
             <a:r>
-              <a:rPr lang="en-US" dirty="0" smtClean="0"/>
-              <a:t>Drawing raster graphics in the browser </a:t>
+              <a:rPr lang="en-US" dirty="0"/>
+              <a:t>What is DOM and how to used it?</a:t>
             </a:r>
           </a:p>
           <a:p>
@@ -11986,7 +12396,26 @@
                 <a:spcPct val="100000"/>
               </a:lnSpc>
             </a:pPr>
-            <a:endParaRPr lang="en-US" dirty="0" smtClean="0"/>
+            <a:r>
+              <a:rPr lang="en-US" dirty="0"/>
+              <a:t>DOM APIs in JavaScript</a:t>
+            </a:r>
+          </a:p>
+          <a:p>
+            <a:pPr lvl="1">
+              <a:lnSpc>
+                <a:spcPct val="100000"/>
+              </a:lnSpc>
+            </a:pPr>
+            <a:r>
+              <a:rPr lang="en-US" dirty="0"/>
+              <a:t>Selecting elements from the HTML with </a:t>
+            </a:r>
+            <a:r>
+              <a:rPr lang="en-US" dirty="0" smtClean="0"/>
+              <a:t>JS</a:t>
+            </a:r>
+            <a:endParaRPr lang="en-US" dirty="0"/>
           </a:p>
         </p:txBody>
       </p:sp>
@@ -12021,92 +12450,6 @@
           </a:p>
         </p:txBody>
       </p:sp>
-      <p:pic>
-        <p:nvPicPr>
-          <p:cNvPr id="3074" name="Picture 2" descr="http://blog.hellodesign.com/wp-content/uploads/2011/02/IMG_0034.jpg"/>
-          <p:cNvPicPr>
-            <a:picLocks noChangeAspect="1" noChangeArrowheads="1"/>
-          </p:cNvPicPr>
-          <p:nvPr/>
-        </p:nvPicPr>
-        <p:blipFill rotWithShape="1">
-          <a:blip r:embed="rId2" cstate="screen">
-            <a:extLst>
-              <a:ext uri="{28A0092B-C50C-407E-A947-70E740481C1C}">
-                <a14:useLocalDpi xmlns:a14="http://schemas.microsoft.com/office/drawing/2010/main"/>
-              </a:ext>
-            </a:extLst>
-          </a:blip>
-          <a:srcRect/>
-          <a:stretch/>
-        </p:blipFill>
-        <p:spPr bwMode="auto">
-          <a:xfrm>
-            <a:off x="6019800" y="4833969"/>
-            <a:ext cx="1885602" cy="1609660"/>
-          </a:xfrm>
-          <a:prstGeom prst="ellipse">
-            <a:avLst/>
-          </a:prstGeom>
-          <a:noFill/>
-          <a:effectLst>
-            <a:softEdge rad="127000"/>
-          </a:effectLst>
-          <a:extLst>
-            <a:ext uri="{909E8E84-426E-40DD-AFC4-6F175D3DCCD1}">
-              <a14:hiddenFill xmlns:a14="http://schemas.microsoft.com/office/drawing/2010/main">
-                <a:solidFill>
-                  <a:srgbClr val="FFFFFF"/>
-                </a:solidFill>
-              </a14:hiddenFill>
-            </a:ext>
-          </a:extLst>
-        </p:spPr>
-      </p:pic>
-      <p:pic>
-        <p:nvPicPr>
-          <p:cNvPr id="3076" name="Picture 4" descr="http://www.b-zaban.com/upload/Image/stones.jpg"/>
-          <p:cNvPicPr>
-            <a:picLocks noChangeAspect="1" noChangeArrowheads="1"/>
-          </p:cNvPicPr>
-          <p:nvPr/>
-        </p:nvPicPr>
-        <p:blipFill rotWithShape="1">
-          <a:blip r:embed="rId3" cstate="screen">
-            <a:extLst>
-              <a:ext uri="{28A0092B-C50C-407E-A947-70E740481C1C}">
-                <a14:useLocalDpi xmlns:a14="http://schemas.microsoft.com/office/drawing/2010/main"/>
-              </a:ext>
-            </a:extLst>
-          </a:blip>
-          <a:srcRect/>
-          <a:stretch/>
-        </p:blipFill>
-        <p:spPr bwMode="auto">
-          <a:xfrm>
-            <a:off x="1524000" y="4741222"/>
-            <a:ext cx="2667214" cy="1795153"/>
-          </a:xfrm>
-          <a:prstGeom prst="roundRect">
-            <a:avLst>
-              <a:gd name="adj" fmla="val 9849"/>
-            </a:avLst>
-          </a:prstGeom>
-          <a:noFill/>
-          <a:effectLst>
-            <a:softEdge rad="63500"/>
-          </a:effectLst>
-          <a:extLst>
-            <a:ext uri="{909E8E84-426E-40DD-AFC4-6F175D3DCCD1}">
-              <a14:hiddenFill xmlns:a14="http://schemas.microsoft.com/office/drawing/2010/main">
-                <a:solidFill>
-                  <a:srgbClr val="FFFFFF"/>
-                </a:solidFill>
-              </a14:hiddenFill>
-            </a:ext>
-          </a:extLst>
-        </p:spPr>
-      </p:pic>
     </p:spTree>
     <p:extLst>
       <p:ext uri="{BB962C8B-B14F-4D97-AF65-F5344CB8AC3E}">
@@ -12195,8 +12538,8 @@
         </p:nvSpPr>
         <p:spPr>
           <a:xfrm>
-            <a:off x="228600" y="1219200"/>
-            <a:ext cx="8686800" cy="5448300"/>
+            <a:off x="228600" y="685800"/>
+            <a:ext cx="8686800" cy="5791200"/>
           </a:xfrm>
         </p:spPr>
         <p:txBody>
@@ -12209,10 +12552,20 @@
               </a:lnSpc>
             </a:pPr>
             <a:r>
-              <a:rPr lang="en-US" dirty="0" smtClean="0"/>
-              <a:t>HTML5 Canvas frameworks</a:t>
-            </a:r>
-            <a:endParaRPr lang="en-US" dirty="0" smtClean="0"/>
+              <a:rPr lang="en-US" sz="3000" dirty="0"/>
+              <a:t>HTML</a:t>
+            </a:r>
+            <a:r>
+              <a:rPr lang="en-US" sz="3000" dirty="0">
+                <a:latin typeface="Consolas" panose="020B0609020204030204" pitchFamily="49" charset="0"/>
+                <a:cs typeface="Consolas" panose="020B0609020204030204" pitchFamily="49" charset="0"/>
+              </a:rPr>
+              <a:t>5</a:t>
+            </a:r>
+            <a:r>
+              <a:rPr lang="en-US" sz="3000" dirty="0"/>
+              <a:t> Canvas</a:t>
+            </a:r>
           </a:p>
           <a:p>
             <a:pPr lvl="1">
@@ -12221,8 +12574,46 @@
               </a:lnSpc>
             </a:pPr>
             <a:r>
-              <a:rPr lang="en-US" dirty="0" smtClean="0"/>
-              <a:t>Frameworks to easify drawing with Canvas</a:t>
+              <a:rPr lang="en-US" sz="2800" dirty="0"/>
+              <a:t>Drawing </a:t>
+            </a:r>
+            <a:r>
+              <a:rPr lang="en-US" sz="2800" dirty="0" smtClean="0"/>
+              <a:t>in </a:t>
+            </a:r>
+            <a:r>
+              <a:rPr lang="en-US" sz="2800" dirty="0"/>
+              <a:t>the </a:t>
+            </a:r>
+            <a:r>
+              <a:rPr lang="en-US" sz="2800" dirty="0" smtClean="0"/>
+              <a:t>browser</a:t>
+            </a:r>
+          </a:p>
+          <a:p>
+            <a:pPr>
+              <a:lnSpc>
+                <a:spcPct val="100000"/>
+              </a:lnSpc>
+            </a:pPr>
+            <a:r>
+              <a:rPr lang="en-US" sz="3000" dirty="0" err="1" smtClean="0"/>
+              <a:t>KineticJS</a:t>
+            </a:r>
+            <a:r>
+              <a:rPr lang="en-US" sz="3000" dirty="0" smtClean="0"/>
+              <a:t> framework for the HTML</a:t>
+            </a:r>
+            <a:r>
+              <a:rPr lang="en-US" sz="3000" dirty="0" smtClean="0">
+                <a:latin typeface="Consolas" panose="020B0609020204030204" pitchFamily="49" charset="0"/>
+                <a:cs typeface="Consolas" panose="020B0609020204030204" pitchFamily="49" charset="0"/>
+              </a:rPr>
+              <a:t>5</a:t>
+            </a:r>
+            <a:r>
+              <a:rPr lang="en-US" sz="3000" dirty="0" smtClean="0"/>
+              <a:t> Canvas</a:t>
             </a:r>
           </a:p>
           <a:p>
@@ -12232,18 +12623,9 @@
               </a:lnSpc>
             </a:pPr>
             <a:r>
-              <a:rPr lang="en-US" dirty="0" smtClean="0"/>
-              <a:t>Paper.js, </a:t>
-            </a:r>
-            <a:r>
-              <a:rPr lang="en-US" dirty="0" err="1" smtClean="0"/>
-              <a:t>KineticJS</a:t>
-            </a:r>
-            <a:r>
-              <a:rPr lang="en-US" dirty="0" smtClean="0"/>
-              <a:t>, etc…</a:t>
-            </a:r>
-            <a:endParaRPr lang="en-US" dirty="0" smtClean="0"/>
+              <a:rPr lang="en-US" sz="2800" dirty="0" smtClean="0"/>
+              <a:t>Drawing shapes, animations, paths</a:t>
+            </a:r>
           </a:p>
           <a:p>
             <a:pPr>
@@ -12252,10 +12634,48 @@
               </a:lnSpc>
             </a:pPr>
             <a:r>
-              <a:rPr lang="en-US" dirty="0" smtClean="0"/>
-              <a:t>SVG and SVG frameworks</a:t>
-            </a:r>
-            <a:endParaRPr lang="en-US" dirty="0" smtClean="0"/>
+              <a:rPr lang="en-US" sz="3000" dirty="0" smtClean="0"/>
+              <a:t>SVG</a:t>
+            </a:r>
+          </a:p>
+          <a:p>
+            <a:pPr marL="574675" lvl="2" indent="-282575">
+              <a:lnSpc>
+                <a:spcPct val="100000"/>
+              </a:lnSpc>
+              <a:buClr>
+                <a:schemeClr val="accent5">
+                  <a:lumMod val="40000"/>
+                  <a:lumOff val="60000"/>
+                </a:schemeClr>
+              </a:buClr>
+              <a:buSzPct val="70000"/>
+              <a:buFont typeface="Wingdings 2" pitchFamily="18" charset="2"/>
+              <a:buChar char=""/>
+              <a:tabLst>
+                <a:tab pos="282575" algn="l"/>
+              </a:tabLst>
+            </a:pPr>
+            <a:r>
+              <a:rPr lang="en-US" sz="2600" dirty="0"/>
+              <a:t>Creating vector graphics inside the </a:t>
+            </a:r>
+            <a:r>
+              <a:rPr lang="en-US" sz="2600" dirty="0" smtClean="0"/>
+              <a:t>browser</a:t>
+            </a:r>
+            <a:endParaRPr lang="en-US" sz="3000" dirty="0" smtClean="0"/>
+          </a:p>
+          <a:p>
+            <a:pPr>
+              <a:lnSpc>
+                <a:spcPct val="100000"/>
+              </a:lnSpc>
+            </a:pPr>
+            <a:r>
+              <a:rPr lang="en-US" sz="3000" dirty="0" smtClean="0"/>
+              <a:t>Raphael JS framework for SVG</a:t>
+            </a:r>
           </a:p>
           <a:p>
             <a:pPr lvl="1">
@@ -12264,8 +12684,19 @@
               </a:lnSpc>
             </a:pPr>
             <a:r>
-              <a:rPr lang="en-US" dirty="0" smtClean="0"/>
-              <a:t>Creating vector graphics inside the browser</a:t>
+              <a:rPr lang="en-US" sz="2800" dirty="0" smtClean="0"/>
+              <a:t>Defining shapes, paths, creating animations</a:t>
+            </a:r>
+          </a:p>
+          <a:p>
+            <a:pPr>
+              <a:lnSpc>
+                <a:spcPct val="100000"/>
+              </a:lnSpc>
+            </a:pPr>
+            <a:r>
+              <a:rPr lang="en-US" sz="3000" dirty="0" smtClean="0"/>
+              <a:t>Animations with Canvas and SVG</a:t>
             </a:r>
           </a:p>
           <a:p>
@@ -12275,33 +12706,10 @@
               </a:lnSpc>
             </a:pPr>
             <a:r>
-              <a:rPr lang="en-US" dirty="0" smtClean="0"/>
-              <a:t>Frameworks to easify the SVG development</a:t>
-            </a:r>
-            <a:endParaRPr lang="en-US" dirty="0" smtClean="0"/>
-          </a:p>
-          <a:p>
-            <a:pPr>
-              <a:lnSpc>
-                <a:spcPct val="100000"/>
-              </a:lnSpc>
-            </a:pPr>
-            <a:r>
-              <a:rPr lang="en-US" dirty="0" smtClean="0"/>
-              <a:t>Animations with Canvas and SVG</a:t>
-            </a:r>
-          </a:p>
-          <a:p>
-            <a:pPr lvl="1">
-              <a:lnSpc>
-                <a:spcPct val="100000"/>
-              </a:lnSpc>
-            </a:pPr>
-            <a:r>
-              <a:rPr lang="en-US" dirty="0" smtClean="0"/>
-              <a:t>Creating time-based animations</a:t>
-            </a:r>
-            <a:endParaRPr lang="en-US" dirty="0"/>
+              <a:rPr lang="en-US" sz="2800" dirty="0" smtClean="0"/>
+              <a:t>Animations fundamentals</a:t>
+            </a:r>
+            <a:endParaRPr lang="en-US" sz="2800" dirty="0"/>
           </a:p>
         </p:txBody>
       </p:sp>
@@ -12359,7 +12767,7 @@
         </p:blipFill>
         <p:spPr bwMode="auto">
           <a:xfrm>
-            <a:off x="7239000" y="2514600"/>
+            <a:off x="7473433" y="3219450"/>
             <a:ext cx="1128202" cy="990600"/>
           </a:xfrm>
           <a:prstGeom prst="rect">
@@ -12527,9 +12935,9 @@
             </a:pPr>
             <a:r>
               <a:rPr lang="en-US" dirty="0" smtClean="0"/>
-              <a:t>Document Object Model</a:t>
-            </a:r>
-            <a:endParaRPr lang="en-US" dirty="0" smtClean="0"/>
+              <a:t>DOM operations</a:t>
+            </a:r>
+            <a:endParaRPr lang="en-US" dirty="0"/>
           </a:p>
           <a:p>
             <a:pPr lvl="1">
@@ -12539,7 +12947,7 @@
             </a:pPr>
             <a:r>
               <a:rPr lang="en-US" dirty="0" smtClean="0"/>
-              <a:t>What is DOM and how to used it?</a:t>
+              <a:t>Dynamically create DOM elements</a:t>
             </a:r>
           </a:p>
           <a:p>
@@ -12550,7 +12958,7 @@
             </a:pPr>
             <a:r>
               <a:rPr lang="en-US" dirty="0" smtClean="0"/>
-              <a:t>DOM APIs in JavaScript</a:t>
+              <a:t>Append elements to the HTML</a:t>
             </a:r>
           </a:p>
           <a:p>
@@ -12561,9 +12969,19 @@
             </a:pPr>
             <a:r>
               <a:rPr lang="en-US" dirty="0" smtClean="0"/>
-              <a:t>Selecting elements from the HTML with JS</a:t>
-            </a:r>
-            <a:endParaRPr lang="en-US" dirty="0" smtClean="0"/>
+              <a:t>Alter element properties</a:t>
+            </a:r>
+          </a:p>
+          <a:p>
+            <a:pPr lvl="1">
+              <a:lnSpc>
+                <a:spcPct val="100000"/>
+              </a:lnSpc>
+            </a:pPr>
+            <a:r>
+              <a:rPr lang="en-US" dirty="0" smtClean="0"/>
+              <a:t>DOM optimizations</a:t>
+            </a:r>
           </a:p>
           <a:p>
             <a:pPr>
@@ -12572,10 +12990,9 @@
               </a:lnSpc>
             </a:pPr>
             <a:r>
-              <a:rPr lang="en-US" dirty="0" smtClean="0"/>
-              <a:t>DOM operations</a:t>
-            </a:r>
-            <a:endParaRPr lang="en-US" dirty="0"/>
+              <a:rPr lang="en-US" dirty="0"/>
+              <a:t>DOM event model</a:t>
+            </a:r>
           </a:p>
           <a:p>
             <a:pPr lvl="1">
@@ -12584,12 +13001,8 @@
               </a:lnSpc>
             </a:pPr>
             <a:r>
-              <a:rPr lang="en-US" dirty="0" smtClean="0"/>
-              <a:t>Dynamically creat</a:t>
-            </a:r>
-            <a:r>
-              <a:rPr lang="en-US" dirty="0" smtClean="0"/>
-              <a:t>e DOM elements</a:t>
+              <a:rPr lang="en-US" dirty="0"/>
+              <a:t>Events</a:t>
             </a:r>
           </a:p>
           <a:p>
@@ -12599,8 +13012,8 @@
               </a:lnSpc>
             </a:pPr>
             <a:r>
-              <a:rPr lang="en-US" dirty="0" smtClean="0"/>
-              <a:t>Append elements to the HTML</a:t>
+              <a:rPr lang="en-US" dirty="0"/>
+              <a:t>Attaching/detaching events</a:t>
             </a:r>
           </a:p>
           <a:p>
@@ -12610,10 +13023,13 @@
               </a:lnSpc>
             </a:pPr>
             <a:r>
+              <a:rPr lang="en-US" dirty="0"/>
+              <a:t>Custom </a:t>
+            </a:r>
+            <a:r>
               <a:rPr lang="en-US" dirty="0" smtClean="0"/>
-              <a:t>Alter element properties</a:t>
-            </a:r>
-            <a:endParaRPr lang="en-US" dirty="0" smtClean="0"/>
+              <a:t>events</a:t>
+            </a:r>
           </a:p>
         </p:txBody>
       </p:sp>
@@ -12787,8 +13203,8 @@
         </p:nvSpPr>
         <p:spPr>
           <a:xfrm>
-            <a:off x="228600" y="838200"/>
-            <a:ext cx="8686800" cy="5638800"/>
+            <a:off x="228600" y="1676400"/>
+            <a:ext cx="8686800" cy="4495800"/>
           </a:xfrm>
         </p:spPr>
         <p:txBody>
@@ -12802,7 +13218,7 @@
             </a:pPr>
             <a:r>
               <a:rPr lang="en-US" dirty="0" smtClean="0"/>
-              <a:t>DOM event model</a:t>
+              <a:t>jQuery overview</a:t>
             </a:r>
           </a:p>
           <a:p>
@@ -12813,7 +13229,7 @@
             </a:pPr>
             <a:r>
               <a:rPr lang="en-US" dirty="0" smtClean="0"/>
-              <a:t>Events</a:t>
+              <a:t>Using jQuery for easier DOM manipulation</a:t>
             </a:r>
           </a:p>
           <a:p>
@@ -12824,7 +13240,25 @@
             </a:pPr>
             <a:r>
               <a:rPr lang="en-US" dirty="0" smtClean="0"/>
-              <a:t>Attaching/detaching events</a:t>
+              <a:t>jQuery AJAX </a:t>
+            </a:r>
+            <a:r>
+              <a:rPr lang="en-US" dirty="0" smtClean="0">
+                <a:latin typeface="Consolas" panose="020B0609020204030204" pitchFamily="49" charset="0"/>
+                <a:cs typeface="Consolas" panose="020B0609020204030204" pitchFamily="49" charset="0"/>
+              </a:rPr>
+              <a:t>101</a:t>
+            </a:r>
+          </a:p>
+          <a:p>
+            <a:pPr>
+              <a:lnSpc>
+                <a:spcPct val="100000"/>
+              </a:lnSpc>
+            </a:pPr>
+            <a:r>
+              <a:rPr lang="en-US" dirty="0" smtClean="0"/>
+              <a:t>Handlebars HTML templates</a:t>
             </a:r>
           </a:p>
           <a:p>
@@ -12835,18 +13269,7 @@
             </a:pPr>
             <a:r>
               <a:rPr lang="en-US" dirty="0" smtClean="0"/>
-              <a:t>Custom events</a:t>
-            </a:r>
-          </a:p>
-          <a:p>
-            <a:pPr>
-              <a:lnSpc>
-                <a:spcPct val="100000"/>
-              </a:lnSpc>
-            </a:pPr>
-            <a:r>
-              <a:rPr lang="en-US" dirty="0" smtClean="0"/>
-              <a:t>jQuery overview</a:t>
+              <a:t>Dynamic HTML</a:t>
             </a:r>
           </a:p>
           <a:p>
@@ -12857,46 +13280,8 @@
             </a:pPr>
             <a:r>
               <a:rPr lang="en-US" dirty="0" smtClean="0"/>
-              <a:t>Using jQuery for easier DOM manipulation</a:t>
-            </a:r>
-          </a:p>
-          <a:p>
-            <a:pPr lvl="1">
-              <a:lnSpc>
-                <a:spcPct val="100000"/>
-              </a:lnSpc>
-            </a:pPr>
-            <a:r>
-              <a:rPr lang="en-US" dirty="0" smtClean="0"/>
-              <a:t>jQuery AJAX 101</a:t>
-            </a:r>
-          </a:p>
-          <a:p>
-            <a:pPr>
-              <a:lnSpc>
-                <a:spcPct val="100000"/>
-              </a:lnSpc>
-            </a:pPr>
-            <a:r>
-              <a:rPr lang="en-US" dirty="0" smtClean="0"/>
-              <a:t>HTML templates</a:t>
-            </a:r>
-          </a:p>
-          <a:p>
-            <a:pPr lvl="1">
-              <a:lnSpc>
-                <a:spcPct val="100000"/>
-              </a:lnSpc>
-            </a:pPr>
-            <a:r>
-              <a:rPr lang="en-US" dirty="0" smtClean="0"/>
-              <a:t>Using client-side </a:t>
-            </a:r>
-            <a:r>
-              <a:rPr lang="en-US" dirty="0" err="1" smtClean="0"/>
-              <a:t>templating</a:t>
-            </a:r>
-            <a:endParaRPr lang="en-US" dirty="0" smtClean="0"/>
+              <a:t>Using client-side templates</a:t>
+            </a:r>
           </a:p>
         </p:txBody>
       </p:sp>
